--- a/Event Report Classification.pptx
+++ b/Event Report Classification.pptx
@@ -2,14 +2,15 @@
 <file path=ppt/presentation.xml><?xml version="1.0" encoding="utf-8"?>
 <p:presentation xmlns:a="http://schemas.openxmlformats.org/drawingml/2006/main" xmlns:r="http://schemas.openxmlformats.org/officeDocument/2006/relationships" xmlns:p="http://schemas.openxmlformats.org/presentationml/2006/main" saveSubsetFonts="1">
   <p:sldMasterIdLst>
-    <p:sldMasterId id="2147483648" r:id="rId1"/>
+    <p:sldMasterId id="2147483852" r:id="rId1"/>
   </p:sldMasterIdLst>
   <p:sldIdLst>
     <p:sldId id="256" r:id="rId2"/>
     <p:sldId id="257" r:id="rId3"/>
     <p:sldId id="258" r:id="rId4"/>
-    <p:sldId id="259" r:id="rId5"/>
-    <p:sldId id="260" r:id="rId6"/>
+    <p:sldId id="261" r:id="rId5"/>
+    <p:sldId id="262" r:id="rId6"/>
+    <p:sldId id="263" r:id="rId7"/>
   </p:sldIdLst>
   <p:sldSz cx="12192000" cy="6858000"/>
   <p:notesSz cx="6858000" cy="9144000"/>
@@ -108,12 +109,22 @@
       </a:defRPr>
     </a:lvl9pPr>
   </p:defaultTextStyle>
+  <p:extLst>
+    <p:ext uri="{EFAFB233-063F-42B5-8137-9DF3F51BA10A}">
+      <p15:sldGuideLst xmlns:p15="http://schemas.microsoft.com/office/powerpoint/2012/main"/>
+    </p:ext>
+  </p:extLst>
 </p:presentation>
 </file>
 
 <file path=ppt/slideLayouts/slideLayout1.xml><?xml version="1.0" encoding="utf-8"?>
-<p:sldLayout xmlns:a="http://schemas.openxmlformats.org/drawingml/2006/main" xmlns:r="http://schemas.openxmlformats.org/officeDocument/2006/relationships" xmlns:p="http://schemas.openxmlformats.org/presentationml/2006/main" type="title" preserve="1">
+<p:sldLayout xmlns:a="http://schemas.openxmlformats.org/drawingml/2006/main" xmlns:r="http://schemas.openxmlformats.org/officeDocument/2006/relationships" xmlns:p="http://schemas.openxmlformats.org/presentationml/2006/main" showMasterSp="0" type="title" preserve="1">
   <p:cSld name="Title Slide">
+    <p:bg>
+      <p:bgRef idx="1001">
+        <a:schemeClr val="bg2"/>
+      </p:bgRef>
+    </p:bg>
     <p:spTree>
       <p:nvGrpSpPr>
         <p:cNvPr id="1" name=""/>
@@ -130,13 +141,204 @@
       </p:grpSpPr>
       <p:sp>
         <p:nvSpPr>
-          <p:cNvPr id="2" name="Title 1">
-            <a:extLst>
-              <a:ext uri="{FF2B5EF4-FFF2-40B4-BE49-F238E27FC236}">
-                <a16:creationId xmlns:a16="http://schemas.microsoft.com/office/drawing/2014/main" id="{4C34938F-21E6-495C-A4EC-3A055C88DF39}"/>
-              </a:ext>
-            </a:extLst>
-          </p:cNvPr>
+          <p:cNvPr id="12" name="Freeform 6" title="Page Number Shape"/>
+          <p:cNvSpPr/>
+          <p:nvPr/>
+        </p:nvSpPr>
+        <p:spPr bwMode="auto">
+          <a:xfrm>
+            <a:off x="11784011" y="1189204"/>
+            <a:ext cx="407988" cy="819150"/>
+          </a:xfrm>
+          <a:custGeom>
+            <a:avLst/>
+            <a:gdLst/>
+            <a:ahLst/>
+            <a:cxnLst/>
+            <a:rect l="0" t="0" r="r" b="b"/>
+            <a:pathLst>
+              <a:path w="1799" h="3612">
+                <a:moveTo>
+                  <a:pt x="1799" y="0"/>
+                </a:moveTo>
+                <a:lnTo>
+                  <a:pt x="1799" y="3612"/>
+                </a:lnTo>
+                <a:lnTo>
+                  <a:pt x="1686" y="3609"/>
+                </a:lnTo>
+                <a:lnTo>
+                  <a:pt x="1574" y="3598"/>
+                </a:lnTo>
+                <a:lnTo>
+                  <a:pt x="1464" y="3581"/>
+                </a:lnTo>
+                <a:lnTo>
+                  <a:pt x="1357" y="3557"/>
+                </a:lnTo>
+                <a:lnTo>
+                  <a:pt x="1251" y="3527"/>
+                </a:lnTo>
+                <a:lnTo>
+                  <a:pt x="1150" y="3490"/>
+                </a:lnTo>
+                <a:lnTo>
+                  <a:pt x="1050" y="3448"/>
+                </a:lnTo>
+                <a:lnTo>
+                  <a:pt x="953" y="3401"/>
+                </a:lnTo>
+                <a:lnTo>
+                  <a:pt x="860" y="3347"/>
+                </a:lnTo>
+                <a:lnTo>
+                  <a:pt x="771" y="3289"/>
+                </a:lnTo>
+                <a:lnTo>
+                  <a:pt x="686" y="3224"/>
+                </a:lnTo>
+                <a:lnTo>
+                  <a:pt x="604" y="3156"/>
+                </a:lnTo>
+                <a:lnTo>
+                  <a:pt x="527" y="3083"/>
+                </a:lnTo>
+                <a:lnTo>
+                  <a:pt x="454" y="3005"/>
+                </a:lnTo>
+                <a:lnTo>
+                  <a:pt x="386" y="2923"/>
+                </a:lnTo>
+                <a:lnTo>
+                  <a:pt x="323" y="2838"/>
+                </a:lnTo>
+                <a:lnTo>
+                  <a:pt x="265" y="2748"/>
+                </a:lnTo>
+                <a:lnTo>
+                  <a:pt x="211" y="2655"/>
+                </a:lnTo>
+                <a:lnTo>
+                  <a:pt x="163" y="2559"/>
+                </a:lnTo>
+                <a:lnTo>
+                  <a:pt x="121" y="2459"/>
+                </a:lnTo>
+                <a:lnTo>
+                  <a:pt x="85" y="2356"/>
+                </a:lnTo>
+                <a:lnTo>
+                  <a:pt x="55" y="2251"/>
+                </a:lnTo>
+                <a:lnTo>
+                  <a:pt x="32" y="2143"/>
+                </a:lnTo>
+                <a:lnTo>
+                  <a:pt x="14" y="2033"/>
+                </a:lnTo>
+                <a:lnTo>
+                  <a:pt x="4" y="1920"/>
+                </a:lnTo>
+                <a:lnTo>
+                  <a:pt x="0" y="1806"/>
+                </a:lnTo>
+                <a:lnTo>
+                  <a:pt x="4" y="1692"/>
+                </a:lnTo>
+                <a:lnTo>
+                  <a:pt x="14" y="1580"/>
+                </a:lnTo>
+                <a:lnTo>
+                  <a:pt x="32" y="1469"/>
+                </a:lnTo>
+                <a:lnTo>
+                  <a:pt x="55" y="1362"/>
+                </a:lnTo>
+                <a:lnTo>
+                  <a:pt x="85" y="1256"/>
+                </a:lnTo>
+                <a:lnTo>
+                  <a:pt x="121" y="1154"/>
+                </a:lnTo>
+                <a:lnTo>
+                  <a:pt x="163" y="1054"/>
+                </a:lnTo>
+                <a:lnTo>
+                  <a:pt x="211" y="958"/>
+                </a:lnTo>
+                <a:lnTo>
+                  <a:pt x="265" y="864"/>
+                </a:lnTo>
+                <a:lnTo>
+                  <a:pt x="323" y="774"/>
+                </a:lnTo>
+                <a:lnTo>
+                  <a:pt x="386" y="689"/>
+                </a:lnTo>
+                <a:lnTo>
+                  <a:pt x="454" y="607"/>
+                </a:lnTo>
+                <a:lnTo>
+                  <a:pt x="527" y="529"/>
+                </a:lnTo>
+                <a:lnTo>
+                  <a:pt x="604" y="456"/>
+                </a:lnTo>
+                <a:lnTo>
+                  <a:pt x="686" y="388"/>
+                </a:lnTo>
+                <a:lnTo>
+                  <a:pt x="771" y="325"/>
+                </a:lnTo>
+                <a:lnTo>
+                  <a:pt x="860" y="266"/>
+                </a:lnTo>
+                <a:lnTo>
+                  <a:pt x="953" y="212"/>
+                </a:lnTo>
+                <a:lnTo>
+                  <a:pt x="1050" y="164"/>
+                </a:lnTo>
+                <a:lnTo>
+                  <a:pt x="1150" y="122"/>
+                </a:lnTo>
+                <a:lnTo>
+                  <a:pt x="1251" y="85"/>
+                </a:lnTo>
+                <a:lnTo>
+                  <a:pt x="1357" y="55"/>
+                </a:lnTo>
+                <a:lnTo>
+                  <a:pt x="1464" y="32"/>
+                </a:lnTo>
+                <a:lnTo>
+                  <a:pt x="1574" y="14"/>
+                </a:lnTo>
+                <a:lnTo>
+                  <a:pt x="1686" y="5"/>
+                </a:lnTo>
+                <a:lnTo>
+                  <a:pt x="1799" y="0"/>
+                </a:lnTo>
+                <a:close/>
+              </a:path>
+            </a:pathLst>
+          </a:custGeom>
+          <a:solidFill>
+            <a:schemeClr val="tx2"/>
+          </a:solidFill>
+          <a:ln w="0">
+            <a:noFill/>
+            <a:prstDash val="solid"/>
+            <a:round/>
+            <a:headEnd/>
+            <a:tailEnd/>
+          </a:ln>
+        </p:spPr>
+      </p:sp>
+      <p:sp>
+        <p:nvSpPr>
+          <p:cNvPr id="2" name="Title 1"/>
           <p:cNvSpPr>
             <a:spLocks noGrp="1"/>
           </p:cNvSpPr>
@@ -146,15 +348,24 @@
         </p:nvSpPr>
         <p:spPr>
           <a:xfrm>
-            <a:off x="1524000" y="1122363"/>
-            <a:ext cx="9144000" cy="2387600"/>
+            <a:off x="1088913" y="1143293"/>
+            <a:ext cx="7034362" cy="4268965"/>
           </a:xfrm>
         </p:spPr>
         <p:txBody>
-          <a:bodyPr anchor="b"/>
+          <a:bodyPr anchor="t">
+            <a:normAutofit/>
+          </a:bodyPr>
           <a:lstStyle>
-            <a:lvl1pPr algn="ctr">
-              <a:defRPr sz="6000"/>
+            <a:lvl1pPr algn="l">
+              <a:lnSpc>
+                <a:spcPct val="85000"/>
+              </a:lnSpc>
+              <a:defRPr sz="7700" cap="all" baseline="0">
+                <a:solidFill>
+                  <a:schemeClr val="tx2"/>
+                </a:solidFill>
+              </a:defRPr>
             </a:lvl1pPr>
           </a:lstStyle>
           <a:p>
@@ -162,18 +373,13 @@
               <a:rPr lang="en-US"/>
               <a:t>Click to edit Master title style</a:t>
             </a:r>
-          </a:p>
-        </p:txBody>
-      </p:sp>
-      <p:sp>
-        <p:nvSpPr>
-          <p:cNvPr id="3" name="Subtitle 2">
-            <a:extLst>
-              <a:ext uri="{FF2B5EF4-FFF2-40B4-BE49-F238E27FC236}">
-                <a16:creationId xmlns:a16="http://schemas.microsoft.com/office/drawing/2014/main" id="{CA13E76D-3902-49B7-8E8C-D3E1D29E407D}"/>
-              </a:ext>
-            </a:extLst>
-          </p:cNvPr>
+            <a:endParaRPr lang="en-US" dirty="0"/>
+          </a:p>
+        </p:txBody>
+      </p:sp>
+      <p:sp>
+        <p:nvSpPr>
+          <p:cNvPr id="3" name="Subtitle 2"/>
           <p:cNvSpPr>
             <a:spLocks noGrp="1"/>
           </p:cNvSpPr>
@@ -183,16 +389,28 @@
         </p:nvSpPr>
         <p:spPr>
           <a:xfrm>
-            <a:off x="1524000" y="3602038"/>
-            <a:ext cx="9144000" cy="1655762"/>
+            <a:off x="1088914" y="5537925"/>
+            <a:ext cx="7034362" cy="706355"/>
           </a:xfrm>
         </p:spPr>
         <p:txBody>
-          <a:bodyPr/>
+          <a:bodyPr>
+            <a:normAutofit/>
+          </a:bodyPr>
           <a:lstStyle>
-            <a:lvl1pPr marL="0" indent="0" algn="ctr">
-              <a:buNone/>
-              <a:defRPr sz="2400"/>
+            <a:lvl1pPr marL="0" indent="0" algn="l">
+              <a:lnSpc>
+                <a:spcPct val="114000"/>
+              </a:lnSpc>
+              <a:spcBef>
+                <a:spcPts val="0"/>
+              </a:spcBef>
+              <a:buNone/>
+              <a:defRPr sz="2000" b="0" i="1" baseline="0">
+                <a:solidFill>
+                  <a:schemeClr val="tx2"/>
+                </a:solidFill>
+              </a:defRPr>
             </a:lvl1pPr>
             <a:lvl2pPr marL="457200" indent="0" algn="ctr">
               <a:buNone/>
@@ -232,18 +450,13 @@
               <a:rPr lang="en-US"/>
               <a:t>Click to edit Master subtitle style</a:t>
             </a:r>
-          </a:p>
-        </p:txBody>
-      </p:sp>
-      <p:sp>
-        <p:nvSpPr>
-          <p:cNvPr id="4" name="Date Placeholder 3">
-            <a:extLst>
-              <a:ext uri="{FF2B5EF4-FFF2-40B4-BE49-F238E27FC236}">
-                <a16:creationId xmlns:a16="http://schemas.microsoft.com/office/drawing/2014/main" id="{AABFF5B4-6CCD-4BD3-81A3-BEE4C4C1BDD9}"/>
-              </a:ext>
-            </a:extLst>
-          </p:cNvPr>
+            <a:endParaRPr lang="en-US" dirty="0"/>
+          </a:p>
+        </p:txBody>
+      </p:sp>
+      <p:sp>
+        <p:nvSpPr>
+          <p:cNvPr id="4" name="Date Placeholder 3"/>
           <p:cNvSpPr>
             <a:spLocks noGrp="1"/>
           </p:cNvSpPr>
@@ -251,28 +464,35 @@
             <p:ph type="dt" sz="half" idx="10"/>
           </p:nvPr>
         </p:nvSpPr>
-        <p:spPr/>
+        <p:spPr>
+          <a:xfrm>
+            <a:off x="1088913" y="6314440"/>
+            <a:ext cx="1596622" cy="365125"/>
+          </a:xfrm>
+        </p:spPr>
         <p:txBody>
           <a:bodyPr/>
-          <a:lstStyle/>
-          <a:p>
-            <a:fld id="{CEFD685A-346E-4025-8F0C-FF1A4F1C8B8B}" type="datetimeFigureOut">
+          <a:lstStyle>
+            <a:lvl1pPr algn="l">
+              <a:defRPr sz="1200">
+                <a:solidFill>
+                  <a:schemeClr val="tx2"/>
+                </a:solidFill>
+              </a:defRPr>
+            </a:lvl1pPr>
+          </a:lstStyle>
+          <a:p>
+            <a:fld id="{4AAD347D-5ACD-4C99-B74B-A9C85AD731AF}" type="datetimeFigureOut">
               <a:rPr lang="en-US" smtClean="0"/>
-              <a:t>7/18/2018</a:t>
+              <a:t>7/19/2018</a:t>
             </a:fld>
-            <a:endParaRPr lang="en-US"/>
-          </a:p>
-        </p:txBody>
-      </p:sp>
-      <p:sp>
-        <p:nvSpPr>
-          <p:cNvPr id="5" name="Footer Placeholder 4">
-            <a:extLst>
-              <a:ext uri="{FF2B5EF4-FFF2-40B4-BE49-F238E27FC236}">
-                <a16:creationId xmlns:a16="http://schemas.microsoft.com/office/drawing/2014/main" id="{3802D083-6F34-44F8-9BBE-23C9BE012FD8}"/>
-              </a:ext>
-            </a:extLst>
-          </p:cNvPr>
+            <a:endParaRPr lang="en-US" dirty="0"/>
+          </a:p>
+        </p:txBody>
+      </p:sp>
+      <p:sp>
+        <p:nvSpPr>
+          <p:cNvPr id="5" name="Footer Placeholder 4"/>
           <p:cNvSpPr>
             <a:spLocks noGrp="1"/>
           </p:cNvSpPr>
@@ -280,24 +500,31 @@
             <p:ph type="ftr" sz="quarter" idx="11"/>
           </p:nvPr>
         </p:nvSpPr>
-        <p:spPr/>
+        <p:spPr>
+          <a:xfrm>
+            <a:off x="3000591" y="6314440"/>
+            <a:ext cx="5122683" cy="365125"/>
+          </a:xfrm>
+        </p:spPr>
         <p:txBody>
           <a:bodyPr/>
-          <a:lstStyle/>
-          <a:p>
-            <a:endParaRPr lang="en-US"/>
-          </a:p>
-        </p:txBody>
-      </p:sp>
-      <p:sp>
-        <p:nvSpPr>
-          <p:cNvPr id="6" name="Slide Number Placeholder 5">
-            <a:extLst>
-              <a:ext uri="{FF2B5EF4-FFF2-40B4-BE49-F238E27FC236}">
-                <a16:creationId xmlns:a16="http://schemas.microsoft.com/office/drawing/2014/main" id="{2122A0FE-5975-478E-9F59-343C86663439}"/>
-              </a:ext>
-            </a:extLst>
-          </p:cNvPr>
+          <a:lstStyle>
+            <a:lvl1pPr algn="l">
+              <a:defRPr b="0">
+                <a:solidFill>
+                  <a:schemeClr val="tx2"/>
+                </a:solidFill>
+              </a:defRPr>
+            </a:lvl1pPr>
+          </a:lstStyle>
+          <a:p>
+            <a:endParaRPr lang="en-US" dirty="0"/>
+          </a:p>
+        </p:txBody>
+      </p:sp>
+      <p:sp>
+        <p:nvSpPr>
+          <p:cNvPr id="6" name="Slide Number Placeholder 5"/>
           <p:cNvSpPr>
             <a:spLocks noGrp="1"/>
           </p:cNvSpPr>
@@ -305,10 +532,23 @@
             <p:ph type="sldNum" sz="quarter" idx="12"/>
           </p:nvPr>
         </p:nvSpPr>
-        <p:spPr/>
+        <p:spPr>
+          <a:xfrm>
+            <a:off x="11784011" y="1416216"/>
+            <a:ext cx="407988" cy="365125"/>
+          </a:xfrm>
+        </p:spPr>
         <p:txBody>
           <a:bodyPr/>
-          <a:lstStyle/>
+          <a:lstStyle>
+            <a:lvl1pPr algn="r">
+              <a:defRPr>
+                <a:solidFill>
+                  <a:schemeClr val="bg2"/>
+                </a:solidFill>
+              </a:defRPr>
+            </a:lvl1pPr>
+          </a:lstStyle>
           <a:p>
             <a:fld id="{BBE2F4B0-AEC2-43C3-8CE9-8C88F75DEA8F}" type="slidenum">
               <a:rPr lang="en-US" smtClean="0"/>
@@ -318,16 +558,62 @@
           </a:p>
         </p:txBody>
       </p:sp>
+      <p:cxnSp>
+        <p:nvCxnSpPr>
+          <p:cNvPr id="9" name="Straight Connector 8" title="Verticle Rule Line"/>
+          <p:cNvCxnSpPr/>
+          <p:nvPr/>
+        </p:nvCxnSpPr>
+        <p:spPr>
+          <a:xfrm>
+            <a:off x="773855" y="1257300"/>
+            <a:ext cx="0" cy="5600700"/>
+          </a:xfrm>
+          <a:prstGeom prst="line">
+            <a:avLst/>
+          </a:prstGeom>
+          <a:ln w="25400">
+            <a:solidFill>
+              <a:schemeClr val="tx2"/>
+            </a:solidFill>
+          </a:ln>
+        </p:spPr>
+        <p:style>
+          <a:lnRef idx="1">
+            <a:schemeClr val="accent1"/>
+          </a:lnRef>
+          <a:fillRef idx="0">
+            <a:schemeClr val="accent1"/>
+          </a:fillRef>
+          <a:effectRef idx="0">
+            <a:schemeClr val="accent1"/>
+          </a:effectRef>
+          <a:fontRef idx="minor">
+            <a:schemeClr val="tx1"/>
+          </a:fontRef>
+        </p:style>
+      </p:cxnSp>
     </p:spTree>
     <p:extLst>
       <p:ext uri="{BB962C8B-B14F-4D97-AF65-F5344CB8AC3E}">
-        <p14:creationId xmlns:p14="http://schemas.microsoft.com/office/powerpoint/2010/main" val="508768256"/>
+        <p14:creationId xmlns:p14="http://schemas.microsoft.com/office/powerpoint/2010/main" val="3290566392"/>
       </p:ext>
     </p:extLst>
   </p:cSld>
   <p:clrMapOvr>
-    <a:masterClrMapping/>
+    <a:overrideClrMapping bg1="dk1" tx1="lt1" bg2="dk2" tx2="lt2" accent1="accent1" accent2="accent2" accent3="accent3" accent4="accent4" accent5="accent5" accent6="accent6" hlink="hlink" folHlink="folHlink"/>
   </p:clrMapOvr>
+  <p:extLst mod="1">
+    <p:ext uri="{DCECCB84-F9BA-43D5-87BE-67443E8EF086}">
+      <p15:sldGuideLst xmlns:p15="http://schemas.microsoft.com/office/powerpoint/2012/main">
+        <p15:guide id="1" orient="horz" pos="792">
+          <p15:clr>
+            <a:srgbClr val="FBAE40"/>
+          </p15:clr>
+        </p15:guide>
+      </p15:sldGuideLst>
+    </p:ext>
+  </p:extLst>
 </p:sldLayout>
 </file>
 
@@ -350,13 +636,7 @@
       </p:grpSpPr>
       <p:sp>
         <p:nvSpPr>
-          <p:cNvPr id="2" name="Title 1">
-            <a:extLst>
-              <a:ext uri="{FF2B5EF4-FFF2-40B4-BE49-F238E27FC236}">
-                <a16:creationId xmlns:a16="http://schemas.microsoft.com/office/drawing/2014/main" id="{4D0B1B96-01A4-432A-841E-70C1E1411A9D}"/>
-              </a:ext>
-            </a:extLst>
-          </p:cNvPr>
+          <p:cNvPr id="2" name="Title 1"/>
           <p:cNvSpPr>
             <a:spLocks noGrp="1"/>
           </p:cNvSpPr>
@@ -373,18 +653,13 @@
               <a:rPr lang="en-US"/>
               <a:t>Click to edit Master title style</a:t>
             </a:r>
-          </a:p>
-        </p:txBody>
-      </p:sp>
-      <p:sp>
-        <p:nvSpPr>
-          <p:cNvPr id="3" name="Vertical Text Placeholder 2">
-            <a:extLst>
-              <a:ext uri="{FF2B5EF4-FFF2-40B4-BE49-F238E27FC236}">
-                <a16:creationId xmlns:a16="http://schemas.microsoft.com/office/drawing/2014/main" id="{209A3D35-75AE-4279-9A1E-09910C5C83E6}"/>
-              </a:ext>
-            </a:extLst>
-          </p:cNvPr>
+            <a:endParaRPr lang="en-US" dirty="0"/>
+          </a:p>
+        </p:txBody>
+      </p:sp>
+      <p:sp>
+        <p:nvSpPr>
+          <p:cNvPr id="3" name="Vertical Text Placeholder 2"/>
           <p:cNvSpPr>
             <a:spLocks noGrp="1"/>
           </p:cNvSpPr>
@@ -392,7 +667,12 @@
             <p:ph type="body" orient="vert" idx="1"/>
           </p:nvPr>
         </p:nvSpPr>
-        <p:spPr/>
+        <p:spPr>
+          <a:xfrm>
+            <a:off x="5181600" y="640080"/>
+            <a:ext cx="6248398" cy="5584142"/>
+          </a:xfrm>
+        </p:spPr>
         <p:txBody>
           <a:bodyPr vert="eaVert"/>
           <a:lstStyle/>
@@ -400,7 +680,7 @@
             <a:pPr lvl="0"/>
             <a:r>
               <a:rPr lang="en-US"/>
-              <a:t>Edit Master text styles</a:t>
+              <a:t>Click to edit Master text styles</a:t>
             </a:r>
           </a:p>
           <a:p>
@@ -430,18 +710,13 @@
               <a:rPr lang="en-US"/>
               <a:t>Fifth level</a:t>
             </a:r>
-          </a:p>
-        </p:txBody>
-      </p:sp>
-      <p:sp>
-        <p:nvSpPr>
-          <p:cNvPr id="4" name="Date Placeholder 3">
-            <a:extLst>
-              <a:ext uri="{FF2B5EF4-FFF2-40B4-BE49-F238E27FC236}">
-                <a16:creationId xmlns:a16="http://schemas.microsoft.com/office/drawing/2014/main" id="{B72B8CB5-CFA6-450E-A2C8-7413662DAEA8}"/>
-              </a:ext>
-            </a:extLst>
-          </p:cNvPr>
+            <a:endParaRPr lang="en-US" dirty="0"/>
+          </a:p>
+        </p:txBody>
+      </p:sp>
+      <p:sp>
+        <p:nvSpPr>
+          <p:cNvPr id="4" name="Date Placeholder 3"/>
           <p:cNvSpPr>
             <a:spLocks noGrp="1"/>
           </p:cNvSpPr>
@@ -454,23 +729,17 @@
           <a:bodyPr/>
           <a:lstStyle/>
           <a:p>
-            <a:fld id="{CEFD685A-346E-4025-8F0C-FF1A4F1C8B8B}" type="datetimeFigureOut">
+            <a:fld id="{4509A250-FF31-4206-8172-F9D3106AACB1}" type="datetimeFigureOut">
               <a:rPr lang="en-US" smtClean="0"/>
-              <a:t>7/18/2018</a:t>
+              <a:t>7/19/2018</a:t>
             </a:fld>
-            <a:endParaRPr lang="en-US"/>
-          </a:p>
-        </p:txBody>
-      </p:sp>
-      <p:sp>
-        <p:nvSpPr>
-          <p:cNvPr id="5" name="Footer Placeholder 4">
-            <a:extLst>
-              <a:ext uri="{FF2B5EF4-FFF2-40B4-BE49-F238E27FC236}">
-                <a16:creationId xmlns:a16="http://schemas.microsoft.com/office/drawing/2014/main" id="{6EE9655E-44EA-4498-807F-8AF6B0A5910B}"/>
-              </a:ext>
-            </a:extLst>
-          </p:cNvPr>
+            <a:endParaRPr lang="en-US" dirty="0"/>
+          </a:p>
+        </p:txBody>
+      </p:sp>
+      <p:sp>
+        <p:nvSpPr>
+          <p:cNvPr id="5" name="Footer Placeholder 4"/>
           <p:cNvSpPr>
             <a:spLocks noGrp="1"/>
           </p:cNvSpPr>
@@ -483,19 +752,13 @@
           <a:bodyPr/>
           <a:lstStyle/>
           <a:p>
-            <a:endParaRPr lang="en-US"/>
-          </a:p>
-        </p:txBody>
-      </p:sp>
-      <p:sp>
-        <p:nvSpPr>
-          <p:cNvPr id="6" name="Slide Number Placeholder 5">
-            <a:extLst>
-              <a:ext uri="{FF2B5EF4-FFF2-40B4-BE49-F238E27FC236}">
-                <a16:creationId xmlns:a16="http://schemas.microsoft.com/office/drawing/2014/main" id="{F7F6A01B-0CBD-46F9-8E77-C6852D1414F4}"/>
-              </a:ext>
-            </a:extLst>
-          </p:cNvPr>
+            <a:endParaRPr lang="en-US" dirty="0"/>
+          </a:p>
+        </p:txBody>
+      </p:sp>
+      <p:sp>
+        <p:nvSpPr>
+          <p:cNvPr id="6" name="Slide Number Placeholder 5"/>
           <p:cNvSpPr>
             <a:spLocks noGrp="1"/>
           </p:cNvSpPr>
@@ -519,7 +782,7 @@
     </p:spTree>
     <p:extLst>
       <p:ext uri="{BB962C8B-B14F-4D97-AF65-F5344CB8AC3E}">
-        <p14:creationId xmlns:p14="http://schemas.microsoft.com/office/powerpoint/2010/main" val="2876535143"/>
+        <p14:creationId xmlns:p14="http://schemas.microsoft.com/office/powerpoint/2010/main" val="1480586973"/>
       </p:ext>
     </p:extLst>
   </p:cSld>
@@ -530,7 +793,7 @@
 </file>
 
 <file path=ppt/slideLayouts/slideLayout11.xml><?xml version="1.0" encoding="utf-8"?>
-<p:sldLayout xmlns:a="http://schemas.openxmlformats.org/drawingml/2006/main" xmlns:r="http://schemas.openxmlformats.org/officeDocument/2006/relationships" xmlns:p="http://schemas.openxmlformats.org/presentationml/2006/main" type="vertTitleAndTx" preserve="1">
+<p:sldLayout xmlns:a="http://schemas.openxmlformats.org/drawingml/2006/main" xmlns:r="http://schemas.openxmlformats.org/officeDocument/2006/relationships" xmlns:p="http://schemas.openxmlformats.org/presentationml/2006/main" showMasterSp="0" type="vertTitleAndTx" preserve="1">
   <p:cSld name="Vertical Title and Text">
     <p:spTree>
       <p:nvGrpSpPr>
@@ -548,13 +811,204 @@
       </p:grpSpPr>
       <p:sp>
         <p:nvSpPr>
-          <p:cNvPr id="2" name="Vertical Title 1">
-            <a:extLst>
-              <a:ext uri="{FF2B5EF4-FFF2-40B4-BE49-F238E27FC236}">
-                <a16:creationId xmlns:a16="http://schemas.microsoft.com/office/drawing/2014/main" id="{F0F5A93A-2FA3-4D34-87EF-2ED38BAA0966}"/>
-              </a:ext>
-            </a:extLst>
-          </p:cNvPr>
+          <p:cNvPr id="12" name="Freeform 6" title="Page Number Shape"/>
+          <p:cNvSpPr/>
+          <p:nvPr/>
+        </p:nvSpPr>
+        <p:spPr bwMode="auto">
+          <a:xfrm>
+            <a:off x="11784011" y="5380580"/>
+            <a:ext cx="407988" cy="819150"/>
+          </a:xfrm>
+          <a:custGeom>
+            <a:avLst/>
+            <a:gdLst/>
+            <a:ahLst/>
+            <a:cxnLst/>
+            <a:rect l="0" t="0" r="r" b="b"/>
+            <a:pathLst>
+              <a:path w="1799" h="3612">
+                <a:moveTo>
+                  <a:pt x="1799" y="0"/>
+                </a:moveTo>
+                <a:lnTo>
+                  <a:pt x="1799" y="3612"/>
+                </a:lnTo>
+                <a:lnTo>
+                  <a:pt x="1686" y="3609"/>
+                </a:lnTo>
+                <a:lnTo>
+                  <a:pt x="1574" y="3598"/>
+                </a:lnTo>
+                <a:lnTo>
+                  <a:pt x="1464" y="3581"/>
+                </a:lnTo>
+                <a:lnTo>
+                  <a:pt x="1357" y="3557"/>
+                </a:lnTo>
+                <a:lnTo>
+                  <a:pt x="1251" y="3527"/>
+                </a:lnTo>
+                <a:lnTo>
+                  <a:pt x="1150" y="3490"/>
+                </a:lnTo>
+                <a:lnTo>
+                  <a:pt x="1050" y="3448"/>
+                </a:lnTo>
+                <a:lnTo>
+                  <a:pt x="953" y="3401"/>
+                </a:lnTo>
+                <a:lnTo>
+                  <a:pt x="860" y="3347"/>
+                </a:lnTo>
+                <a:lnTo>
+                  <a:pt x="771" y="3289"/>
+                </a:lnTo>
+                <a:lnTo>
+                  <a:pt x="686" y="3224"/>
+                </a:lnTo>
+                <a:lnTo>
+                  <a:pt x="604" y="3156"/>
+                </a:lnTo>
+                <a:lnTo>
+                  <a:pt x="527" y="3083"/>
+                </a:lnTo>
+                <a:lnTo>
+                  <a:pt x="454" y="3005"/>
+                </a:lnTo>
+                <a:lnTo>
+                  <a:pt x="386" y="2923"/>
+                </a:lnTo>
+                <a:lnTo>
+                  <a:pt x="323" y="2838"/>
+                </a:lnTo>
+                <a:lnTo>
+                  <a:pt x="265" y="2748"/>
+                </a:lnTo>
+                <a:lnTo>
+                  <a:pt x="211" y="2655"/>
+                </a:lnTo>
+                <a:lnTo>
+                  <a:pt x="163" y="2559"/>
+                </a:lnTo>
+                <a:lnTo>
+                  <a:pt x="121" y="2459"/>
+                </a:lnTo>
+                <a:lnTo>
+                  <a:pt x="85" y="2356"/>
+                </a:lnTo>
+                <a:lnTo>
+                  <a:pt x="55" y="2251"/>
+                </a:lnTo>
+                <a:lnTo>
+                  <a:pt x="32" y="2143"/>
+                </a:lnTo>
+                <a:lnTo>
+                  <a:pt x="14" y="2033"/>
+                </a:lnTo>
+                <a:lnTo>
+                  <a:pt x="4" y="1920"/>
+                </a:lnTo>
+                <a:lnTo>
+                  <a:pt x="0" y="1806"/>
+                </a:lnTo>
+                <a:lnTo>
+                  <a:pt x="4" y="1692"/>
+                </a:lnTo>
+                <a:lnTo>
+                  <a:pt x="14" y="1580"/>
+                </a:lnTo>
+                <a:lnTo>
+                  <a:pt x="32" y="1469"/>
+                </a:lnTo>
+                <a:lnTo>
+                  <a:pt x="55" y="1362"/>
+                </a:lnTo>
+                <a:lnTo>
+                  <a:pt x="85" y="1256"/>
+                </a:lnTo>
+                <a:lnTo>
+                  <a:pt x="121" y="1154"/>
+                </a:lnTo>
+                <a:lnTo>
+                  <a:pt x="163" y="1054"/>
+                </a:lnTo>
+                <a:lnTo>
+                  <a:pt x="211" y="958"/>
+                </a:lnTo>
+                <a:lnTo>
+                  <a:pt x="265" y="864"/>
+                </a:lnTo>
+                <a:lnTo>
+                  <a:pt x="323" y="774"/>
+                </a:lnTo>
+                <a:lnTo>
+                  <a:pt x="386" y="689"/>
+                </a:lnTo>
+                <a:lnTo>
+                  <a:pt x="454" y="607"/>
+                </a:lnTo>
+                <a:lnTo>
+                  <a:pt x="527" y="529"/>
+                </a:lnTo>
+                <a:lnTo>
+                  <a:pt x="604" y="456"/>
+                </a:lnTo>
+                <a:lnTo>
+                  <a:pt x="686" y="388"/>
+                </a:lnTo>
+                <a:lnTo>
+                  <a:pt x="771" y="325"/>
+                </a:lnTo>
+                <a:lnTo>
+                  <a:pt x="860" y="266"/>
+                </a:lnTo>
+                <a:lnTo>
+                  <a:pt x="953" y="212"/>
+                </a:lnTo>
+                <a:lnTo>
+                  <a:pt x="1050" y="164"/>
+                </a:lnTo>
+                <a:lnTo>
+                  <a:pt x="1150" y="122"/>
+                </a:lnTo>
+                <a:lnTo>
+                  <a:pt x="1251" y="85"/>
+                </a:lnTo>
+                <a:lnTo>
+                  <a:pt x="1357" y="55"/>
+                </a:lnTo>
+                <a:lnTo>
+                  <a:pt x="1464" y="32"/>
+                </a:lnTo>
+                <a:lnTo>
+                  <a:pt x="1574" y="14"/>
+                </a:lnTo>
+                <a:lnTo>
+                  <a:pt x="1686" y="5"/>
+                </a:lnTo>
+                <a:lnTo>
+                  <a:pt x="1799" y="0"/>
+                </a:lnTo>
+                <a:close/>
+              </a:path>
+            </a:pathLst>
+          </a:custGeom>
+          <a:solidFill>
+            <a:srgbClr val="262626"/>
+          </a:solidFill>
+          <a:ln w="0">
+            <a:noFill/>
+            <a:prstDash val="solid"/>
+            <a:round/>
+            <a:headEnd/>
+            <a:tailEnd/>
+          </a:ln>
+        </p:spPr>
+      </p:sp>
+      <p:sp>
+        <p:nvSpPr>
+          <p:cNvPr id="2" name="Vertical Title 1"/>
           <p:cNvSpPr>
             <a:spLocks noGrp="1"/>
           </p:cNvSpPr>
@@ -564,30 +1018,29 @@
         </p:nvSpPr>
         <p:spPr>
           <a:xfrm>
-            <a:off x="8724900" y="365125"/>
-            <a:ext cx="2628900" cy="5811838"/>
+            <a:off x="7990765" y="642931"/>
+            <a:ext cx="2446670" cy="4678106"/>
           </a:xfrm>
         </p:spPr>
         <p:txBody>
           <a:bodyPr vert="eaVert"/>
-          <a:lstStyle/>
+          <a:lstStyle>
+            <a:lvl1pPr algn="l">
+              <a:defRPr/>
+            </a:lvl1pPr>
+          </a:lstStyle>
           <a:p>
             <a:r>
               <a:rPr lang="en-US"/>
               <a:t>Click to edit Master title style</a:t>
             </a:r>
-          </a:p>
-        </p:txBody>
-      </p:sp>
-      <p:sp>
-        <p:nvSpPr>
-          <p:cNvPr id="3" name="Vertical Text Placeholder 2">
-            <a:extLst>
-              <a:ext uri="{FF2B5EF4-FFF2-40B4-BE49-F238E27FC236}">
-                <a16:creationId xmlns:a16="http://schemas.microsoft.com/office/drawing/2014/main" id="{D1502C05-1D9B-4235-B4BD-C3632D81331F}"/>
-              </a:ext>
-            </a:extLst>
-          </p:cNvPr>
+            <a:endParaRPr lang="en-US" dirty="0"/>
+          </a:p>
+        </p:txBody>
+      </p:sp>
+      <p:sp>
+        <p:nvSpPr>
+          <p:cNvPr id="3" name="Vertical Text Placeholder 2"/>
           <p:cNvSpPr>
             <a:spLocks noGrp="1"/>
           </p:cNvSpPr>
@@ -597,8 +1050,8 @@
         </p:nvSpPr>
         <p:spPr>
           <a:xfrm>
-            <a:off x="838200" y="365125"/>
-            <a:ext cx="7734300" cy="5811838"/>
+            <a:off x="838200" y="642932"/>
+            <a:ext cx="7070678" cy="4678105"/>
           </a:xfrm>
         </p:spPr>
         <p:txBody>
@@ -608,7 +1061,7 @@
             <a:pPr lvl="0"/>
             <a:r>
               <a:rPr lang="en-US"/>
-              <a:t>Edit Master text styles</a:t>
+              <a:t>Click to edit Master text styles</a:t>
             </a:r>
           </a:p>
           <a:p>
@@ -638,18 +1091,13 @@
               <a:rPr lang="en-US"/>
               <a:t>Fifth level</a:t>
             </a:r>
-          </a:p>
-        </p:txBody>
-      </p:sp>
-      <p:sp>
-        <p:nvSpPr>
-          <p:cNvPr id="4" name="Date Placeholder 3">
-            <a:extLst>
-              <a:ext uri="{FF2B5EF4-FFF2-40B4-BE49-F238E27FC236}">
-                <a16:creationId xmlns:a16="http://schemas.microsoft.com/office/drawing/2014/main" id="{303DA416-00F8-4BB6-9D4D-4476D34E29DE}"/>
-              </a:ext>
-            </a:extLst>
-          </p:cNvPr>
+            <a:endParaRPr lang="en-US" dirty="0"/>
+          </a:p>
+        </p:txBody>
+      </p:sp>
+      <p:sp>
+        <p:nvSpPr>
+          <p:cNvPr id="4" name="Date Placeholder 3"/>
           <p:cNvSpPr>
             <a:spLocks noGrp="1"/>
           </p:cNvSpPr>
@@ -657,28 +1105,27 @@
             <p:ph type="dt" sz="half" idx="10"/>
           </p:nvPr>
         </p:nvSpPr>
-        <p:spPr/>
+        <p:spPr>
+          <a:xfrm>
+            <a:off x="6536187" y="5927131"/>
+            <a:ext cx="3814856" cy="365125"/>
+          </a:xfrm>
+        </p:spPr>
         <p:txBody>
           <a:bodyPr/>
           <a:lstStyle/>
           <a:p>
-            <a:fld id="{CEFD685A-346E-4025-8F0C-FF1A4F1C8B8B}" type="datetimeFigureOut">
+            <a:fld id="{4509A250-FF31-4206-8172-F9D3106AACB1}" type="datetimeFigureOut">
               <a:rPr lang="en-US" smtClean="0"/>
-              <a:t>7/18/2018</a:t>
+              <a:t>7/19/2018</a:t>
             </a:fld>
-            <a:endParaRPr lang="en-US"/>
-          </a:p>
-        </p:txBody>
-      </p:sp>
-      <p:sp>
-        <p:nvSpPr>
-          <p:cNvPr id="5" name="Footer Placeholder 4">
-            <a:extLst>
-              <a:ext uri="{FF2B5EF4-FFF2-40B4-BE49-F238E27FC236}">
-                <a16:creationId xmlns:a16="http://schemas.microsoft.com/office/drawing/2014/main" id="{0EAD3ADB-4AC6-4825-8297-3699FD066930}"/>
-              </a:ext>
-            </a:extLst>
-          </p:cNvPr>
+            <a:endParaRPr lang="en-US" dirty="0"/>
+          </a:p>
+        </p:txBody>
+      </p:sp>
+      <p:sp>
+        <p:nvSpPr>
+          <p:cNvPr id="5" name="Footer Placeholder 4"/>
           <p:cNvSpPr>
             <a:spLocks noGrp="1"/>
           </p:cNvSpPr>
@@ -686,24 +1133,23 @@
             <p:ph type="ftr" sz="quarter" idx="11"/>
           </p:nvPr>
         </p:nvSpPr>
-        <p:spPr/>
+        <p:spPr>
+          <a:xfrm>
+            <a:off x="6536187" y="6315949"/>
+            <a:ext cx="3814856" cy="365125"/>
+          </a:xfrm>
+        </p:spPr>
         <p:txBody>
           <a:bodyPr/>
           <a:lstStyle/>
           <a:p>
-            <a:endParaRPr lang="en-US"/>
-          </a:p>
-        </p:txBody>
-      </p:sp>
-      <p:sp>
-        <p:nvSpPr>
-          <p:cNvPr id="6" name="Slide Number Placeholder 5">
-            <a:extLst>
-              <a:ext uri="{FF2B5EF4-FFF2-40B4-BE49-F238E27FC236}">
-                <a16:creationId xmlns:a16="http://schemas.microsoft.com/office/drawing/2014/main" id="{AC086598-4CF2-4D39-907D-F1AF175FA57F}"/>
-              </a:ext>
-            </a:extLst>
-          </p:cNvPr>
+            <a:endParaRPr lang="en-US" dirty="0"/>
+          </a:p>
+        </p:txBody>
+      </p:sp>
+      <p:sp>
+        <p:nvSpPr>
+          <p:cNvPr id="6" name="Slide Number Placeholder 5"/>
           <p:cNvSpPr>
             <a:spLocks noGrp="1"/>
           </p:cNvSpPr>
@@ -711,7 +1157,12 @@
             <p:ph type="sldNum" sz="quarter" idx="12"/>
           </p:nvPr>
         </p:nvSpPr>
-        <p:spPr/>
+        <p:spPr>
+          <a:xfrm>
+            <a:off x="11784011" y="5607592"/>
+            <a:ext cx="407988" cy="365125"/>
+          </a:xfrm>
+        </p:spPr>
         <p:txBody>
           <a:bodyPr/>
           <a:lstStyle/>
@@ -724,16 +1175,65 @@
           </a:p>
         </p:txBody>
       </p:sp>
+      <p:cxnSp>
+        <p:nvCxnSpPr>
+          <p:cNvPr id="13" name="Straight Connector 12" title="Horizontal Rule Line"/>
+          <p:cNvCxnSpPr/>
+          <p:nvPr/>
+        </p:nvCxnSpPr>
+        <p:spPr>
+          <a:xfrm>
+            <a:off x="0" y="6199730"/>
+            <a:ext cx="10260011" cy="0"/>
+          </a:xfrm>
+          <a:prstGeom prst="line">
+            <a:avLst/>
+          </a:prstGeom>
+          <a:ln w="25400">
+            <a:solidFill>
+              <a:schemeClr val="tx1">
+                <a:lumMod val="85000"/>
+                <a:lumOff val="15000"/>
+              </a:schemeClr>
+            </a:solidFill>
+          </a:ln>
+        </p:spPr>
+        <p:style>
+          <a:lnRef idx="1">
+            <a:schemeClr val="accent1"/>
+          </a:lnRef>
+          <a:fillRef idx="0">
+            <a:schemeClr val="accent1"/>
+          </a:fillRef>
+          <a:effectRef idx="0">
+            <a:schemeClr val="accent1"/>
+          </a:effectRef>
+          <a:fontRef idx="minor">
+            <a:schemeClr val="tx1"/>
+          </a:fontRef>
+        </p:style>
+      </p:cxnSp>
     </p:spTree>
     <p:extLst>
       <p:ext uri="{BB962C8B-B14F-4D97-AF65-F5344CB8AC3E}">
-        <p14:creationId xmlns:p14="http://schemas.microsoft.com/office/powerpoint/2010/main" val="1760807829"/>
+        <p14:creationId xmlns:p14="http://schemas.microsoft.com/office/powerpoint/2010/main" val="591955157"/>
       </p:ext>
     </p:extLst>
   </p:cSld>
   <p:clrMapOvr>
     <a:masterClrMapping/>
   </p:clrMapOvr>
+  <p:extLst mod="1">
+    <p:ext uri="{DCECCB84-F9BA-43D5-87BE-67443E8EF086}">
+      <p15:sldGuideLst xmlns:p15="http://schemas.microsoft.com/office/powerpoint/2012/main">
+        <p15:guide id="1" pos="6456">
+          <p15:clr>
+            <a:srgbClr val="FBAE40"/>
+          </p15:clr>
+        </p15:guide>
+      </p15:sldGuideLst>
+    </p:ext>
+  </p:extLst>
 </p:sldLayout>
 </file>
 
@@ -756,13 +1256,7 @@
       </p:grpSpPr>
       <p:sp>
         <p:nvSpPr>
-          <p:cNvPr id="2" name="Title 1">
-            <a:extLst>
-              <a:ext uri="{FF2B5EF4-FFF2-40B4-BE49-F238E27FC236}">
-                <a16:creationId xmlns:a16="http://schemas.microsoft.com/office/drawing/2014/main" id="{67D2C208-0FE0-4476-BD05-2FE692C1ACF9}"/>
-              </a:ext>
-            </a:extLst>
-          </p:cNvPr>
+          <p:cNvPr id="2" name="Title 1"/>
           <p:cNvSpPr>
             <a:spLocks noGrp="1"/>
           </p:cNvSpPr>
@@ -779,18 +1273,13 @@
               <a:rPr lang="en-US"/>
               <a:t>Click to edit Master title style</a:t>
             </a:r>
-          </a:p>
-        </p:txBody>
-      </p:sp>
-      <p:sp>
-        <p:nvSpPr>
-          <p:cNvPr id="3" name="Content Placeholder 2">
-            <a:extLst>
-              <a:ext uri="{FF2B5EF4-FFF2-40B4-BE49-F238E27FC236}">
-                <a16:creationId xmlns:a16="http://schemas.microsoft.com/office/drawing/2014/main" id="{035E813F-6253-48B5-AD7F-7C0ED428FEF5}"/>
-              </a:ext>
-            </a:extLst>
-          </p:cNvPr>
+            <a:endParaRPr lang="en-US" dirty="0"/>
+          </a:p>
+        </p:txBody>
+      </p:sp>
+      <p:sp>
+        <p:nvSpPr>
+          <p:cNvPr id="3" name="Content Placeholder 2"/>
           <p:cNvSpPr>
             <a:spLocks noGrp="1"/>
           </p:cNvSpPr>
@@ -806,7 +1295,7 @@
             <a:pPr lvl="0"/>
             <a:r>
               <a:rPr lang="en-US"/>
-              <a:t>Edit Master text styles</a:t>
+              <a:t>Click to edit Master text styles</a:t>
             </a:r>
           </a:p>
           <a:p>
@@ -836,18 +1325,13 @@
               <a:rPr lang="en-US"/>
               <a:t>Fifth level</a:t>
             </a:r>
-          </a:p>
-        </p:txBody>
-      </p:sp>
-      <p:sp>
-        <p:nvSpPr>
-          <p:cNvPr id="4" name="Date Placeholder 3">
-            <a:extLst>
-              <a:ext uri="{FF2B5EF4-FFF2-40B4-BE49-F238E27FC236}">
-                <a16:creationId xmlns:a16="http://schemas.microsoft.com/office/drawing/2014/main" id="{738D831D-D9A1-4E13-A5CB-AF13A5A0B4D9}"/>
-              </a:ext>
-            </a:extLst>
-          </p:cNvPr>
+            <a:endParaRPr lang="en-US" dirty="0"/>
+          </a:p>
+        </p:txBody>
+      </p:sp>
+      <p:sp>
+        <p:nvSpPr>
+          <p:cNvPr id="4" name="Date Placeholder 3"/>
           <p:cNvSpPr>
             <a:spLocks noGrp="1"/>
           </p:cNvSpPr>
@@ -860,23 +1344,17 @@
           <a:bodyPr/>
           <a:lstStyle/>
           <a:p>
-            <a:fld id="{CEFD685A-346E-4025-8F0C-FF1A4F1C8B8B}" type="datetimeFigureOut">
+            <a:fld id="{4509A250-FF31-4206-8172-F9D3106AACB1}" type="datetimeFigureOut">
               <a:rPr lang="en-US" smtClean="0"/>
-              <a:t>7/18/2018</a:t>
+              <a:t>7/19/2018</a:t>
             </a:fld>
-            <a:endParaRPr lang="en-US"/>
-          </a:p>
-        </p:txBody>
-      </p:sp>
-      <p:sp>
-        <p:nvSpPr>
-          <p:cNvPr id="5" name="Footer Placeholder 4">
-            <a:extLst>
-              <a:ext uri="{FF2B5EF4-FFF2-40B4-BE49-F238E27FC236}">
-                <a16:creationId xmlns:a16="http://schemas.microsoft.com/office/drawing/2014/main" id="{239947AD-59D8-4705-BAC2-3D4395BF2757}"/>
-              </a:ext>
-            </a:extLst>
-          </p:cNvPr>
+            <a:endParaRPr lang="en-US" dirty="0"/>
+          </a:p>
+        </p:txBody>
+      </p:sp>
+      <p:sp>
+        <p:nvSpPr>
+          <p:cNvPr id="5" name="Footer Placeholder 4"/>
           <p:cNvSpPr>
             <a:spLocks noGrp="1"/>
           </p:cNvSpPr>
@@ -889,19 +1367,13 @@
           <a:bodyPr/>
           <a:lstStyle/>
           <a:p>
-            <a:endParaRPr lang="en-US"/>
-          </a:p>
-        </p:txBody>
-      </p:sp>
-      <p:sp>
-        <p:nvSpPr>
-          <p:cNvPr id="6" name="Slide Number Placeholder 5">
-            <a:extLst>
-              <a:ext uri="{FF2B5EF4-FFF2-40B4-BE49-F238E27FC236}">
-                <a16:creationId xmlns:a16="http://schemas.microsoft.com/office/drawing/2014/main" id="{51F6F6D5-0DC9-4956-94F6-98ABC333B864}"/>
-              </a:ext>
-            </a:extLst>
-          </p:cNvPr>
+            <a:endParaRPr lang="en-US" dirty="0"/>
+          </a:p>
+        </p:txBody>
+      </p:sp>
+      <p:sp>
+        <p:nvSpPr>
+          <p:cNvPr id="6" name="Slide Number Placeholder 5"/>
           <p:cNvSpPr>
             <a:spLocks noGrp="1"/>
           </p:cNvSpPr>
@@ -925,7 +1397,7 @@
     </p:spTree>
     <p:extLst>
       <p:ext uri="{BB962C8B-B14F-4D97-AF65-F5344CB8AC3E}">
-        <p14:creationId xmlns:p14="http://schemas.microsoft.com/office/powerpoint/2010/main" val="1374329063"/>
+        <p14:creationId xmlns:p14="http://schemas.microsoft.com/office/powerpoint/2010/main" val="891845437"/>
       </p:ext>
     </p:extLst>
   </p:cSld>
@@ -936,8 +1408,16 @@
 </file>
 
 <file path=ppt/slideLayouts/slideLayout3.xml><?xml version="1.0" encoding="utf-8"?>
-<p:sldLayout xmlns:a="http://schemas.openxmlformats.org/drawingml/2006/main" xmlns:r="http://schemas.openxmlformats.org/officeDocument/2006/relationships" xmlns:p="http://schemas.openxmlformats.org/presentationml/2006/main" type="secHead" preserve="1">
+<p:sldLayout xmlns:a="http://schemas.openxmlformats.org/drawingml/2006/main" xmlns:r="http://schemas.openxmlformats.org/officeDocument/2006/relationships" xmlns:p="http://schemas.openxmlformats.org/presentationml/2006/main" showMasterSp="0" type="secHead" preserve="1">
   <p:cSld name="Section Header">
+    <p:bg>
+      <p:bgPr>
+        <a:solidFill>
+          <a:schemeClr val="bg2"/>
+        </a:solidFill>
+        <a:effectLst/>
+      </p:bgPr>
+    </p:bg>
     <p:spTree>
       <p:nvGrpSpPr>
         <p:cNvPr id="1" name=""/>
@@ -954,13 +1434,207 @@
       </p:grpSpPr>
       <p:sp>
         <p:nvSpPr>
-          <p:cNvPr id="2" name="Title 1">
-            <a:extLst>
-              <a:ext uri="{FF2B5EF4-FFF2-40B4-BE49-F238E27FC236}">
-                <a16:creationId xmlns:a16="http://schemas.microsoft.com/office/drawing/2014/main" id="{64A3210B-F91B-419D-9DD0-4F5536F3EF97}"/>
-              </a:ext>
-            </a:extLst>
-          </p:cNvPr>
+          <p:cNvPr id="7" name="Freeform 6" title="Page Number Shape"/>
+          <p:cNvSpPr/>
+          <p:nvPr/>
+        </p:nvSpPr>
+        <p:spPr bwMode="auto">
+          <a:xfrm>
+            <a:off x="11784011" y="1393748"/>
+            <a:ext cx="407988" cy="819150"/>
+          </a:xfrm>
+          <a:custGeom>
+            <a:avLst/>
+            <a:gdLst/>
+            <a:ahLst/>
+            <a:cxnLst/>
+            <a:rect l="0" t="0" r="r" b="b"/>
+            <a:pathLst>
+              <a:path w="1799" h="3612">
+                <a:moveTo>
+                  <a:pt x="1799" y="0"/>
+                </a:moveTo>
+                <a:lnTo>
+                  <a:pt x="1799" y="3612"/>
+                </a:lnTo>
+                <a:lnTo>
+                  <a:pt x="1686" y="3609"/>
+                </a:lnTo>
+                <a:lnTo>
+                  <a:pt x="1574" y="3598"/>
+                </a:lnTo>
+                <a:lnTo>
+                  <a:pt x="1464" y="3581"/>
+                </a:lnTo>
+                <a:lnTo>
+                  <a:pt x="1357" y="3557"/>
+                </a:lnTo>
+                <a:lnTo>
+                  <a:pt x="1251" y="3527"/>
+                </a:lnTo>
+                <a:lnTo>
+                  <a:pt x="1150" y="3490"/>
+                </a:lnTo>
+                <a:lnTo>
+                  <a:pt x="1050" y="3448"/>
+                </a:lnTo>
+                <a:lnTo>
+                  <a:pt x="953" y="3401"/>
+                </a:lnTo>
+                <a:lnTo>
+                  <a:pt x="860" y="3347"/>
+                </a:lnTo>
+                <a:lnTo>
+                  <a:pt x="771" y="3289"/>
+                </a:lnTo>
+                <a:lnTo>
+                  <a:pt x="686" y="3224"/>
+                </a:lnTo>
+                <a:lnTo>
+                  <a:pt x="604" y="3156"/>
+                </a:lnTo>
+                <a:lnTo>
+                  <a:pt x="527" y="3083"/>
+                </a:lnTo>
+                <a:lnTo>
+                  <a:pt x="454" y="3005"/>
+                </a:lnTo>
+                <a:lnTo>
+                  <a:pt x="386" y="2923"/>
+                </a:lnTo>
+                <a:lnTo>
+                  <a:pt x="323" y="2838"/>
+                </a:lnTo>
+                <a:lnTo>
+                  <a:pt x="265" y="2748"/>
+                </a:lnTo>
+                <a:lnTo>
+                  <a:pt x="211" y="2655"/>
+                </a:lnTo>
+                <a:lnTo>
+                  <a:pt x="163" y="2559"/>
+                </a:lnTo>
+                <a:lnTo>
+                  <a:pt x="121" y="2459"/>
+                </a:lnTo>
+                <a:lnTo>
+                  <a:pt x="85" y="2356"/>
+                </a:lnTo>
+                <a:lnTo>
+                  <a:pt x="55" y="2251"/>
+                </a:lnTo>
+                <a:lnTo>
+                  <a:pt x="32" y="2143"/>
+                </a:lnTo>
+                <a:lnTo>
+                  <a:pt x="14" y="2033"/>
+                </a:lnTo>
+                <a:lnTo>
+                  <a:pt x="4" y="1920"/>
+                </a:lnTo>
+                <a:lnTo>
+                  <a:pt x="0" y="1806"/>
+                </a:lnTo>
+                <a:lnTo>
+                  <a:pt x="4" y="1692"/>
+                </a:lnTo>
+                <a:lnTo>
+                  <a:pt x="14" y="1580"/>
+                </a:lnTo>
+                <a:lnTo>
+                  <a:pt x="32" y="1469"/>
+                </a:lnTo>
+                <a:lnTo>
+                  <a:pt x="55" y="1362"/>
+                </a:lnTo>
+                <a:lnTo>
+                  <a:pt x="85" y="1256"/>
+                </a:lnTo>
+                <a:lnTo>
+                  <a:pt x="121" y="1154"/>
+                </a:lnTo>
+                <a:lnTo>
+                  <a:pt x="163" y="1054"/>
+                </a:lnTo>
+                <a:lnTo>
+                  <a:pt x="211" y="958"/>
+                </a:lnTo>
+                <a:lnTo>
+                  <a:pt x="265" y="864"/>
+                </a:lnTo>
+                <a:lnTo>
+                  <a:pt x="323" y="774"/>
+                </a:lnTo>
+                <a:lnTo>
+                  <a:pt x="386" y="689"/>
+                </a:lnTo>
+                <a:lnTo>
+                  <a:pt x="454" y="607"/>
+                </a:lnTo>
+                <a:lnTo>
+                  <a:pt x="527" y="529"/>
+                </a:lnTo>
+                <a:lnTo>
+                  <a:pt x="604" y="456"/>
+                </a:lnTo>
+                <a:lnTo>
+                  <a:pt x="686" y="388"/>
+                </a:lnTo>
+                <a:lnTo>
+                  <a:pt x="771" y="325"/>
+                </a:lnTo>
+                <a:lnTo>
+                  <a:pt x="860" y="266"/>
+                </a:lnTo>
+                <a:lnTo>
+                  <a:pt x="953" y="212"/>
+                </a:lnTo>
+                <a:lnTo>
+                  <a:pt x="1050" y="164"/>
+                </a:lnTo>
+                <a:lnTo>
+                  <a:pt x="1150" y="122"/>
+                </a:lnTo>
+                <a:lnTo>
+                  <a:pt x="1251" y="85"/>
+                </a:lnTo>
+                <a:lnTo>
+                  <a:pt x="1357" y="55"/>
+                </a:lnTo>
+                <a:lnTo>
+                  <a:pt x="1464" y="32"/>
+                </a:lnTo>
+                <a:lnTo>
+                  <a:pt x="1574" y="14"/>
+                </a:lnTo>
+                <a:lnTo>
+                  <a:pt x="1686" y="5"/>
+                </a:lnTo>
+                <a:lnTo>
+                  <a:pt x="1799" y="0"/>
+                </a:lnTo>
+                <a:close/>
+              </a:path>
+            </a:pathLst>
+          </a:custGeom>
+          <a:solidFill>
+            <a:schemeClr val="tx1">
+              <a:lumMod val="85000"/>
+              <a:lumOff val="15000"/>
+            </a:schemeClr>
+          </a:solidFill>
+          <a:ln w="0">
+            <a:noFill/>
+            <a:prstDash val="solid"/>
+            <a:round/>
+            <a:headEnd/>
+            <a:tailEnd/>
+          </a:ln>
+        </p:spPr>
+      </p:sp>
+      <p:sp>
+        <p:nvSpPr>
+          <p:cNvPr id="2" name="Title 1"/>
           <p:cNvSpPr>
             <a:spLocks noGrp="1"/>
           </p:cNvSpPr>
@@ -970,15 +1644,27 @@
         </p:nvSpPr>
         <p:spPr>
           <a:xfrm>
-            <a:off x="831850" y="1709738"/>
-            <a:ext cx="10515600" cy="2852737"/>
+            <a:off x="1947673" y="2571722"/>
+            <a:ext cx="8296654" cy="3286153"/>
           </a:xfrm>
         </p:spPr>
         <p:txBody>
-          <a:bodyPr anchor="b"/>
+          <a:bodyPr anchor="t">
+            <a:normAutofit/>
+          </a:bodyPr>
           <a:lstStyle>
             <a:lvl1pPr>
-              <a:defRPr sz="6000"/>
+              <a:lnSpc>
+                <a:spcPct val="85000"/>
+              </a:lnSpc>
+              <a:defRPr sz="7700" cap="all" baseline="0">
+                <a:solidFill>
+                  <a:schemeClr val="tx1">
+                    <a:lumMod val="85000"/>
+                    <a:lumOff val="15000"/>
+                  </a:schemeClr>
+                </a:solidFill>
+              </a:defRPr>
             </a:lvl1pPr>
           </a:lstStyle>
           <a:p>
@@ -986,18 +1672,13 @@
               <a:rPr lang="en-US"/>
               <a:t>Click to edit Master title style</a:t>
             </a:r>
-          </a:p>
-        </p:txBody>
-      </p:sp>
-      <p:sp>
-        <p:nvSpPr>
-          <p:cNvPr id="3" name="Text Placeholder 2">
-            <a:extLst>
-              <a:ext uri="{FF2B5EF4-FFF2-40B4-BE49-F238E27FC236}">
-                <a16:creationId xmlns:a16="http://schemas.microsoft.com/office/drawing/2014/main" id="{1BFFB860-7A78-4BEC-BF8A-878EB6A90B5E}"/>
-              </a:ext>
-            </a:extLst>
-          </p:cNvPr>
+            <a:endParaRPr lang="en-US" dirty="0"/>
+          </a:p>
+        </p:txBody>
+      </p:sp>
+      <p:sp>
+        <p:nvSpPr>
+          <p:cNvPr id="3" name="Text Placeholder 2"/>
           <p:cNvSpPr>
             <a:spLocks noGrp="1"/>
           </p:cNvSpPr>
@@ -1007,19 +1688,28 @@
         </p:nvSpPr>
         <p:spPr>
           <a:xfrm>
-            <a:off x="831850" y="4589463"/>
-            <a:ext cx="10515600" cy="1500187"/>
+            <a:off x="1947673" y="1393748"/>
+            <a:ext cx="8401429" cy="819150"/>
           </a:xfrm>
         </p:spPr>
         <p:txBody>
-          <a:bodyPr/>
+          <a:bodyPr anchor="ctr">
+            <a:normAutofit/>
+          </a:bodyPr>
           <a:lstStyle>
-            <a:lvl1pPr marL="0" indent="0">
-              <a:buNone/>
-              <a:defRPr sz="2400">
+            <a:lvl1pPr marL="0" indent="0" algn="r">
+              <a:lnSpc>
+                <a:spcPct val="113000"/>
+              </a:lnSpc>
+              <a:spcBef>
+                <a:spcPts val="0"/>
+              </a:spcBef>
+              <a:buNone/>
+              <a:defRPr sz="2000" b="0" i="1" baseline="0">
                 <a:solidFill>
                   <a:schemeClr val="tx1">
-                    <a:tint val="75000"/>
+                    <a:lumMod val="85000"/>
+                    <a:lumOff val="15000"/>
                   </a:schemeClr>
                 </a:solidFill>
               </a:defRPr>
@@ -1109,20 +1799,14 @@
             <a:pPr lvl="0"/>
             <a:r>
               <a:rPr lang="en-US"/>
-              <a:t>Edit Master text styles</a:t>
-            </a:r>
-          </a:p>
-        </p:txBody>
-      </p:sp>
-      <p:sp>
-        <p:nvSpPr>
-          <p:cNvPr id="4" name="Date Placeholder 3">
-            <a:extLst>
-              <a:ext uri="{FF2B5EF4-FFF2-40B4-BE49-F238E27FC236}">
-                <a16:creationId xmlns:a16="http://schemas.microsoft.com/office/drawing/2014/main" id="{B7A5A7FF-3A23-42DE-8E8D-885C020C9167}"/>
-              </a:ext>
-            </a:extLst>
-          </p:cNvPr>
+              <a:t>Click to edit Master text styles</a:t>
+            </a:r>
+          </a:p>
+        </p:txBody>
+      </p:sp>
+      <p:sp>
+        <p:nvSpPr>
+          <p:cNvPr id="4" name="Date Placeholder 3"/>
           <p:cNvSpPr>
             <a:spLocks noGrp="1"/>
           </p:cNvSpPr>
@@ -1130,28 +1814,38 @@
             <p:ph type="dt" sz="half" idx="10"/>
           </p:nvPr>
         </p:nvSpPr>
-        <p:spPr/>
+        <p:spPr>
+          <a:xfrm>
+            <a:off x="8742955" y="6314439"/>
+            <a:ext cx="1596622" cy="365125"/>
+          </a:xfrm>
+        </p:spPr>
         <p:txBody>
           <a:bodyPr/>
-          <a:lstStyle/>
-          <a:p>
-            <a:fld id="{CEFD685A-346E-4025-8F0C-FF1A4F1C8B8B}" type="datetimeFigureOut">
+          <a:lstStyle>
+            <a:lvl1pPr>
+              <a:defRPr sz="1200">
+                <a:solidFill>
+                  <a:schemeClr val="tx1">
+                    <a:lumMod val="85000"/>
+                    <a:lumOff val="15000"/>
+                  </a:schemeClr>
+                </a:solidFill>
+              </a:defRPr>
+            </a:lvl1pPr>
+          </a:lstStyle>
+          <a:p>
+            <a:fld id="{9796027F-7875-4030-9381-8BD8C4F21935}" type="datetimeFigureOut">
               <a:rPr lang="en-US" smtClean="0"/>
-              <a:t>7/18/2018</a:t>
+              <a:t>7/19/2018</a:t>
             </a:fld>
-            <a:endParaRPr lang="en-US"/>
-          </a:p>
-        </p:txBody>
-      </p:sp>
-      <p:sp>
-        <p:nvSpPr>
-          <p:cNvPr id="5" name="Footer Placeholder 4">
-            <a:extLst>
-              <a:ext uri="{FF2B5EF4-FFF2-40B4-BE49-F238E27FC236}">
-                <a16:creationId xmlns:a16="http://schemas.microsoft.com/office/drawing/2014/main" id="{B3D6A24E-BDDC-4C8D-89D5-5E080DFCD10F}"/>
-              </a:ext>
-            </a:extLst>
-          </p:cNvPr>
+            <a:endParaRPr lang="en-US" dirty="0"/>
+          </a:p>
+        </p:txBody>
+      </p:sp>
+      <p:sp>
+        <p:nvSpPr>
+          <p:cNvPr id="5" name="Footer Placeholder 4"/>
           <p:cNvSpPr>
             <a:spLocks noGrp="1"/>
           </p:cNvSpPr>
@@ -1159,24 +1853,34 @@
             <p:ph type="ftr" sz="quarter" idx="11"/>
           </p:nvPr>
         </p:nvSpPr>
-        <p:spPr/>
+        <p:spPr>
+          <a:xfrm>
+            <a:off x="1947673" y="6314440"/>
+            <a:ext cx="6480226" cy="365125"/>
+          </a:xfrm>
+        </p:spPr>
         <p:txBody>
           <a:bodyPr/>
-          <a:lstStyle/>
-          <a:p>
-            <a:endParaRPr lang="en-US"/>
-          </a:p>
-        </p:txBody>
-      </p:sp>
-      <p:sp>
-        <p:nvSpPr>
-          <p:cNvPr id="6" name="Slide Number Placeholder 5">
-            <a:extLst>
-              <a:ext uri="{FF2B5EF4-FFF2-40B4-BE49-F238E27FC236}">
-                <a16:creationId xmlns:a16="http://schemas.microsoft.com/office/drawing/2014/main" id="{EB0E590E-61BF-4B21-8037-1F90CA07F65B}"/>
-              </a:ext>
-            </a:extLst>
-          </p:cNvPr>
+          <a:lstStyle>
+            <a:lvl1pPr>
+              <a:defRPr b="0">
+                <a:solidFill>
+                  <a:schemeClr val="tx1">
+                    <a:lumMod val="85000"/>
+                    <a:lumOff val="15000"/>
+                  </a:schemeClr>
+                </a:solidFill>
+              </a:defRPr>
+            </a:lvl1pPr>
+          </a:lstStyle>
+          <a:p>
+            <a:endParaRPr lang="en-US" dirty="0"/>
+          </a:p>
+        </p:txBody>
+      </p:sp>
+      <p:sp>
+        <p:nvSpPr>
+          <p:cNvPr id="6" name="Slide Number Placeholder 5"/>
           <p:cNvSpPr>
             <a:spLocks noGrp="1"/>
           </p:cNvSpPr>
@@ -1184,10 +1888,23 @@
             <p:ph type="sldNum" sz="quarter" idx="12"/>
           </p:nvPr>
         </p:nvSpPr>
-        <p:spPr/>
+        <p:spPr>
+          <a:xfrm>
+            <a:off x="11784011" y="1620760"/>
+            <a:ext cx="407988" cy="365125"/>
+          </a:xfrm>
+        </p:spPr>
         <p:txBody>
           <a:bodyPr/>
-          <a:lstStyle/>
+          <a:lstStyle>
+            <a:lvl1pPr>
+              <a:defRPr>
+                <a:solidFill>
+                  <a:schemeClr val="bg2"/>
+                </a:solidFill>
+              </a:defRPr>
+            </a:lvl1pPr>
+          </a:lstStyle>
           <a:p>
             <a:fld id="{BBE2F4B0-AEC2-43C3-8CE9-8C88F75DEA8F}" type="slidenum">
               <a:rPr lang="en-US" smtClean="0"/>
@@ -1197,16 +1914,65 @@
           </a:p>
         </p:txBody>
       </p:sp>
+      <p:cxnSp>
+        <p:nvCxnSpPr>
+          <p:cNvPr id="10" name="Straight Connector 9" title="Horizontal Rule Line"/>
+          <p:cNvCxnSpPr/>
+          <p:nvPr/>
+        </p:nvCxnSpPr>
+        <p:spPr>
+          <a:xfrm flipH="1">
+            <a:off x="1" y="6178167"/>
+            <a:ext cx="10244326" cy="0"/>
+          </a:xfrm>
+          <a:prstGeom prst="line">
+            <a:avLst/>
+          </a:prstGeom>
+          <a:ln w="25400">
+            <a:solidFill>
+              <a:schemeClr val="tx1">
+                <a:lumMod val="85000"/>
+                <a:lumOff val="15000"/>
+              </a:schemeClr>
+            </a:solidFill>
+          </a:ln>
+        </p:spPr>
+        <p:style>
+          <a:lnRef idx="1">
+            <a:schemeClr val="accent1"/>
+          </a:lnRef>
+          <a:fillRef idx="0">
+            <a:schemeClr val="accent1"/>
+          </a:fillRef>
+          <a:effectRef idx="0">
+            <a:schemeClr val="accent1"/>
+          </a:effectRef>
+          <a:fontRef idx="minor">
+            <a:schemeClr val="tx1"/>
+          </a:fontRef>
+        </p:style>
+      </p:cxnSp>
     </p:spTree>
     <p:extLst>
       <p:ext uri="{BB962C8B-B14F-4D97-AF65-F5344CB8AC3E}">
-        <p14:creationId xmlns:p14="http://schemas.microsoft.com/office/powerpoint/2010/main" val="2938010912"/>
+        <p14:creationId xmlns:p14="http://schemas.microsoft.com/office/powerpoint/2010/main" val="2327117446"/>
       </p:ext>
     </p:extLst>
   </p:cSld>
   <p:clrMapOvr>
     <a:masterClrMapping/>
   </p:clrMapOvr>
+  <p:extLst mod="1">
+    <p:ext uri="{DCECCB84-F9BA-43D5-87BE-67443E8EF086}">
+      <p15:sldGuideLst xmlns:p15="http://schemas.microsoft.com/office/powerpoint/2012/main">
+        <p15:guide id="1" pos="6456">
+          <p15:clr>
+            <a:srgbClr val="FBAE40"/>
+          </p15:clr>
+        </p15:guide>
+      </p15:sldGuideLst>
+    </p:ext>
+  </p:extLst>
 </p:sldLayout>
 </file>
 
@@ -1229,13 +1995,7 @@
       </p:grpSpPr>
       <p:sp>
         <p:nvSpPr>
-          <p:cNvPr id="2" name="Title 1">
-            <a:extLst>
-              <a:ext uri="{FF2B5EF4-FFF2-40B4-BE49-F238E27FC236}">
-                <a16:creationId xmlns:a16="http://schemas.microsoft.com/office/drawing/2014/main" id="{A1CDECA7-9BA2-4D03-9A63-AD097BA875D5}"/>
-              </a:ext>
-            </a:extLst>
-          </p:cNvPr>
+          <p:cNvPr id="2" name="Title 1"/>
           <p:cNvSpPr>
             <a:spLocks noGrp="1"/>
           </p:cNvSpPr>
@@ -1252,18 +2012,13 @@
               <a:rPr lang="en-US"/>
               <a:t>Click to edit Master title style</a:t>
             </a:r>
-          </a:p>
-        </p:txBody>
-      </p:sp>
-      <p:sp>
-        <p:nvSpPr>
-          <p:cNvPr id="3" name="Content Placeholder 2">
-            <a:extLst>
-              <a:ext uri="{FF2B5EF4-FFF2-40B4-BE49-F238E27FC236}">
-                <a16:creationId xmlns:a16="http://schemas.microsoft.com/office/drawing/2014/main" id="{5979883C-4675-46FD-94A2-A4CCF393AA89}"/>
-              </a:ext>
-            </a:extLst>
-          </p:cNvPr>
+            <a:endParaRPr lang="en-US" dirty="0"/>
+          </a:p>
+        </p:txBody>
+      </p:sp>
+      <p:sp>
+        <p:nvSpPr>
+          <p:cNvPr id="3" name="Content Placeholder 2"/>
           <p:cNvSpPr>
             <a:spLocks noGrp="1"/>
           </p:cNvSpPr>
@@ -1273,8 +2028,8 @@
         </p:nvSpPr>
         <p:spPr>
           <a:xfrm>
-            <a:off x="838200" y="1825625"/>
-            <a:ext cx="5181600" cy="4351338"/>
+            <a:off x="5181600" y="540628"/>
+            <a:ext cx="6248400" cy="2488946"/>
           </a:xfrm>
         </p:spPr>
         <p:txBody>
@@ -1284,7 +2039,7 @@
             <a:pPr lvl="0"/>
             <a:r>
               <a:rPr lang="en-US"/>
-              <a:t>Edit Master text styles</a:t>
+              <a:t>Click to edit Master text styles</a:t>
             </a:r>
           </a:p>
           <a:p>
@@ -1314,18 +2069,13 @@
               <a:rPr lang="en-US"/>
               <a:t>Fifth level</a:t>
             </a:r>
-          </a:p>
-        </p:txBody>
-      </p:sp>
-      <p:sp>
-        <p:nvSpPr>
-          <p:cNvPr id="4" name="Content Placeholder 3">
-            <a:extLst>
-              <a:ext uri="{FF2B5EF4-FFF2-40B4-BE49-F238E27FC236}">
-                <a16:creationId xmlns:a16="http://schemas.microsoft.com/office/drawing/2014/main" id="{093D53D1-7A74-4C2E-BFEB-5C23F3170D6C}"/>
-              </a:ext>
-            </a:extLst>
-          </p:cNvPr>
+            <a:endParaRPr lang="en-US" dirty="0"/>
+          </a:p>
+        </p:txBody>
+      </p:sp>
+      <p:sp>
+        <p:nvSpPr>
+          <p:cNvPr id="4" name="Content Placeholder 3"/>
           <p:cNvSpPr>
             <a:spLocks noGrp="1"/>
           </p:cNvSpPr>
@@ -1335,8 +2085,8 @@
         </p:nvSpPr>
         <p:spPr>
           <a:xfrm>
-            <a:off x="6172200" y="1825625"/>
-            <a:ext cx="5181600" cy="4351338"/>
+            <a:off x="5181600" y="3712467"/>
+            <a:ext cx="6248400" cy="2482228"/>
           </a:xfrm>
         </p:spPr>
         <p:txBody>
@@ -1346,7 +2096,7 @@
             <a:pPr lvl="0"/>
             <a:r>
               <a:rPr lang="en-US"/>
-              <a:t>Edit Master text styles</a:t>
+              <a:t>Click to edit Master text styles</a:t>
             </a:r>
           </a:p>
           <a:p>
@@ -1376,18 +2126,13 @@
               <a:rPr lang="en-US"/>
               <a:t>Fifth level</a:t>
             </a:r>
-          </a:p>
-        </p:txBody>
-      </p:sp>
-      <p:sp>
-        <p:nvSpPr>
-          <p:cNvPr id="5" name="Date Placeholder 4">
-            <a:extLst>
-              <a:ext uri="{FF2B5EF4-FFF2-40B4-BE49-F238E27FC236}">
-                <a16:creationId xmlns:a16="http://schemas.microsoft.com/office/drawing/2014/main" id="{16D2A48E-B14B-4799-8B4A-184A66CD57A4}"/>
-              </a:ext>
-            </a:extLst>
-          </p:cNvPr>
+            <a:endParaRPr lang="en-US" dirty="0"/>
+          </a:p>
+        </p:txBody>
+      </p:sp>
+      <p:sp>
+        <p:nvSpPr>
+          <p:cNvPr id="5" name="Date Placeholder 4"/>
           <p:cNvSpPr>
             <a:spLocks noGrp="1"/>
           </p:cNvSpPr>
@@ -1400,23 +2145,17 @@
           <a:bodyPr/>
           <a:lstStyle/>
           <a:p>
-            <a:fld id="{CEFD685A-346E-4025-8F0C-FF1A4F1C8B8B}" type="datetimeFigureOut">
+            <a:fld id="{9796027F-7875-4030-9381-8BD8C4F21935}" type="datetimeFigureOut">
               <a:rPr lang="en-US" smtClean="0"/>
-              <a:t>7/18/2018</a:t>
+              <a:t>7/19/2018</a:t>
             </a:fld>
-            <a:endParaRPr lang="en-US"/>
-          </a:p>
-        </p:txBody>
-      </p:sp>
-      <p:sp>
-        <p:nvSpPr>
-          <p:cNvPr id="6" name="Footer Placeholder 5">
-            <a:extLst>
-              <a:ext uri="{FF2B5EF4-FFF2-40B4-BE49-F238E27FC236}">
-                <a16:creationId xmlns:a16="http://schemas.microsoft.com/office/drawing/2014/main" id="{7E5EB674-C616-4620-A34C-B9EDA9CA3E05}"/>
-              </a:ext>
-            </a:extLst>
-          </p:cNvPr>
+            <a:endParaRPr lang="en-US" dirty="0"/>
+          </a:p>
+        </p:txBody>
+      </p:sp>
+      <p:sp>
+        <p:nvSpPr>
+          <p:cNvPr id="6" name="Footer Placeholder 5"/>
           <p:cNvSpPr>
             <a:spLocks noGrp="1"/>
           </p:cNvSpPr>
@@ -1429,19 +2168,13 @@
           <a:bodyPr/>
           <a:lstStyle/>
           <a:p>
-            <a:endParaRPr lang="en-US"/>
-          </a:p>
-        </p:txBody>
-      </p:sp>
-      <p:sp>
-        <p:nvSpPr>
-          <p:cNvPr id="7" name="Slide Number Placeholder 6">
-            <a:extLst>
-              <a:ext uri="{FF2B5EF4-FFF2-40B4-BE49-F238E27FC236}">
-                <a16:creationId xmlns:a16="http://schemas.microsoft.com/office/drawing/2014/main" id="{EC61344D-615E-4DA1-9F10-08F0CE9D58DB}"/>
-              </a:ext>
-            </a:extLst>
-          </p:cNvPr>
+            <a:endParaRPr lang="en-US" dirty="0"/>
+          </a:p>
+        </p:txBody>
+      </p:sp>
+      <p:sp>
+        <p:nvSpPr>
+          <p:cNvPr id="7" name="Slide Number Placeholder 6"/>
           <p:cNvSpPr>
             <a:spLocks noGrp="1"/>
           </p:cNvSpPr>
@@ -1465,13 +2198,18 @@
     </p:spTree>
     <p:extLst>
       <p:ext uri="{BB962C8B-B14F-4D97-AF65-F5344CB8AC3E}">
-        <p14:creationId xmlns:p14="http://schemas.microsoft.com/office/powerpoint/2010/main" val="2561168883"/>
+        <p14:creationId xmlns:p14="http://schemas.microsoft.com/office/powerpoint/2010/main" val="2399570587"/>
       </p:ext>
     </p:extLst>
   </p:cSld>
   <p:clrMapOvr>
     <a:masterClrMapping/>
   </p:clrMapOvr>
+  <p:extLst>
+    <p:ext uri="{DCECCB84-F9BA-43D5-87BE-67443E8EF086}">
+      <p15:sldGuideLst xmlns:p15="http://schemas.microsoft.com/office/powerpoint/2012/main"/>
+    </p:ext>
+  </p:extLst>
 </p:sldLayout>
 </file>
 
@@ -1494,13 +2232,7 @@
       </p:grpSpPr>
       <p:sp>
         <p:nvSpPr>
-          <p:cNvPr id="2" name="Title 1">
-            <a:extLst>
-              <a:ext uri="{FF2B5EF4-FFF2-40B4-BE49-F238E27FC236}">
-                <a16:creationId xmlns:a16="http://schemas.microsoft.com/office/drawing/2014/main" id="{7F180A9B-5519-4B5A-B61E-6D22B1CBE13E}"/>
-              </a:ext>
-            </a:extLst>
-          </p:cNvPr>
+          <p:cNvPr id="2" name="Title 1"/>
           <p:cNvSpPr>
             <a:spLocks noGrp="1"/>
           </p:cNvSpPr>
@@ -1510,8 +2242,8 @@
         </p:nvSpPr>
         <p:spPr>
           <a:xfrm>
-            <a:off x="839788" y="365125"/>
-            <a:ext cx="10515600" cy="1325563"/>
+            <a:off x="762000" y="557784"/>
+            <a:ext cx="3831336" cy="4956048"/>
           </a:xfrm>
         </p:spPr>
         <p:txBody>
@@ -1522,18 +2254,13 @@
               <a:rPr lang="en-US"/>
               <a:t>Click to edit Master title style</a:t>
             </a:r>
-          </a:p>
-        </p:txBody>
-      </p:sp>
-      <p:sp>
-        <p:nvSpPr>
-          <p:cNvPr id="3" name="Text Placeholder 2">
-            <a:extLst>
-              <a:ext uri="{FF2B5EF4-FFF2-40B4-BE49-F238E27FC236}">
-                <a16:creationId xmlns:a16="http://schemas.microsoft.com/office/drawing/2014/main" id="{E98DE8F3-B836-42F7-841F-497BE613CC7C}"/>
-              </a:ext>
-            </a:extLst>
-          </p:cNvPr>
+            <a:endParaRPr lang="en-US" dirty="0"/>
+          </a:p>
+        </p:txBody>
+      </p:sp>
+      <p:sp>
+        <p:nvSpPr>
+          <p:cNvPr id="3" name="Text Placeholder 2"/>
           <p:cNvSpPr>
             <a:spLocks noGrp="1"/>
           </p:cNvSpPr>
@@ -1543,16 +2270,31 @@
         </p:nvSpPr>
         <p:spPr>
           <a:xfrm>
-            <a:off x="839788" y="1681163"/>
-            <a:ext cx="5157787" cy="823912"/>
+            <a:off x="5181600" y="558065"/>
+            <a:ext cx="6245352" cy="914400"/>
           </a:xfrm>
         </p:spPr>
         <p:txBody>
-          <a:bodyPr anchor="b"/>
+          <a:bodyPr anchor="b">
+            <a:normAutofit/>
+          </a:bodyPr>
           <a:lstStyle>
             <a:lvl1pPr marL="0" indent="0">
-              <a:buNone/>
-              <a:defRPr sz="2400" b="1"/>
+              <a:lnSpc>
+                <a:spcPct val="113000"/>
+              </a:lnSpc>
+              <a:spcBef>
+                <a:spcPts val="0"/>
+              </a:spcBef>
+              <a:buNone/>
+              <a:defRPr sz="2400" b="0" i="1" baseline="0">
+                <a:solidFill>
+                  <a:schemeClr val="tx1">
+                    <a:lumMod val="85000"/>
+                    <a:lumOff val="15000"/>
+                  </a:schemeClr>
+                </a:solidFill>
+              </a:defRPr>
             </a:lvl1pPr>
             <a:lvl2pPr marL="457200" indent="0">
               <a:buNone/>
@@ -1591,20 +2333,14 @@
             <a:pPr lvl="0"/>
             <a:r>
               <a:rPr lang="en-US"/>
-              <a:t>Edit Master text styles</a:t>
-            </a:r>
-          </a:p>
-        </p:txBody>
-      </p:sp>
-      <p:sp>
-        <p:nvSpPr>
-          <p:cNvPr id="4" name="Content Placeholder 3">
-            <a:extLst>
-              <a:ext uri="{FF2B5EF4-FFF2-40B4-BE49-F238E27FC236}">
-                <a16:creationId xmlns:a16="http://schemas.microsoft.com/office/drawing/2014/main" id="{4440F56F-A03A-4A0B-9DE4-7B4FE23BBAA8}"/>
-              </a:ext>
-            </a:extLst>
-          </p:cNvPr>
+              <a:t>Click to edit Master text styles</a:t>
+            </a:r>
+          </a:p>
+        </p:txBody>
+      </p:sp>
+      <p:sp>
+        <p:nvSpPr>
+          <p:cNvPr id="4" name="Content Placeholder 3"/>
           <p:cNvSpPr>
             <a:spLocks noGrp="1"/>
           </p:cNvSpPr>
@@ -1614,8 +2350,8 @@
         </p:nvSpPr>
         <p:spPr>
           <a:xfrm>
-            <a:off x="839788" y="2505075"/>
-            <a:ext cx="5157787" cy="3684588"/>
+            <a:off x="5181600" y="1526671"/>
+            <a:ext cx="6245352" cy="1755648"/>
           </a:xfrm>
         </p:spPr>
         <p:txBody>
@@ -1625,7 +2361,7 @@
             <a:pPr lvl="0"/>
             <a:r>
               <a:rPr lang="en-US"/>
-              <a:t>Edit Master text styles</a:t>
+              <a:t>Click to edit Master text styles</a:t>
             </a:r>
           </a:p>
           <a:p>
@@ -1655,18 +2391,13 @@
               <a:rPr lang="en-US"/>
               <a:t>Fifth level</a:t>
             </a:r>
-          </a:p>
-        </p:txBody>
-      </p:sp>
-      <p:sp>
-        <p:nvSpPr>
-          <p:cNvPr id="5" name="Text Placeholder 4">
-            <a:extLst>
-              <a:ext uri="{FF2B5EF4-FFF2-40B4-BE49-F238E27FC236}">
-                <a16:creationId xmlns:a16="http://schemas.microsoft.com/office/drawing/2014/main" id="{7D5EF90E-7E5A-45CD-B6A3-86596B4350E2}"/>
-              </a:ext>
-            </a:extLst>
-          </p:cNvPr>
+            <a:endParaRPr lang="en-US" dirty="0"/>
+          </a:p>
+        </p:txBody>
+      </p:sp>
+      <p:sp>
+        <p:nvSpPr>
+          <p:cNvPr id="5" name="Text Placeholder 4"/>
           <p:cNvSpPr>
             <a:spLocks noGrp="1"/>
           </p:cNvSpPr>
@@ -1676,16 +2407,25 @@
         </p:nvSpPr>
         <p:spPr>
           <a:xfrm>
-            <a:off x="6172200" y="1681163"/>
-            <a:ext cx="5183188" cy="823912"/>
+            <a:off x="5181600" y="3700826"/>
+            <a:ext cx="6248400" cy="914400"/>
           </a:xfrm>
         </p:spPr>
         <p:txBody>
-          <a:bodyPr anchor="b"/>
+          <a:bodyPr anchor="b">
+            <a:normAutofit/>
+          </a:bodyPr>
           <a:lstStyle>
             <a:lvl1pPr marL="0" indent="0">
               <a:buNone/>
-              <a:defRPr sz="2400" b="1"/>
+              <a:defRPr sz="2400" b="0" i="1" baseline="0">
+                <a:solidFill>
+                  <a:schemeClr val="tx1">
+                    <a:lumMod val="85000"/>
+                    <a:lumOff val="15000"/>
+                  </a:schemeClr>
+                </a:solidFill>
+              </a:defRPr>
             </a:lvl1pPr>
             <a:lvl2pPr marL="457200" indent="0">
               <a:buNone/>
@@ -1724,20 +2464,14 @@
             <a:pPr lvl="0"/>
             <a:r>
               <a:rPr lang="en-US"/>
-              <a:t>Edit Master text styles</a:t>
-            </a:r>
-          </a:p>
-        </p:txBody>
-      </p:sp>
-      <p:sp>
-        <p:nvSpPr>
-          <p:cNvPr id="6" name="Content Placeholder 5">
-            <a:extLst>
-              <a:ext uri="{FF2B5EF4-FFF2-40B4-BE49-F238E27FC236}">
-                <a16:creationId xmlns:a16="http://schemas.microsoft.com/office/drawing/2014/main" id="{86B7056B-D711-48B4-8DD7-6A960CA42014}"/>
-              </a:ext>
-            </a:extLst>
-          </p:cNvPr>
+              <a:t>Click to edit Master text styles</a:t>
+            </a:r>
+          </a:p>
+        </p:txBody>
+      </p:sp>
+      <p:sp>
+        <p:nvSpPr>
+          <p:cNvPr id="6" name="Content Placeholder 5"/>
           <p:cNvSpPr>
             <a:spLocks noGrp="1"/>
           </p:cNvSpPr>
@@ -1747,8 +2481,8 @@
         </p:nvSpPr>
         <p:spPr>
           <a:xfrm>
-            <a:off x="6172200" y="2505075"/>
-            <a:ext cx="5183188" cy="3684588"/>
+            <a:off x="5181600" y="4669432"/>
+            <a:ext cx="6245352" cy="1755648"/>
           </a:xfrm>
         </p:spPr>
         <p:txBody>
@@ -1758,7 +2492,7 @@
             <a:pPr lvl="0"/>
             <a:r>
               <a:rPr lang="en-US"/>
-              <a:t>Edit Master text styles</a:t>
+              <a:t>Click to edit Master text styles</a:t>
             </a:r>
           </a:p>
           <a:p>
@@ -1788,18 +2522,13 @@
               <a:rPr lang="en-US"/>
               <a:t>Fifth level</a:t>
             </a:r>
-          </a:p>
-        </p:txBody>
-      </p:sp>
-      <p:sp>
-        <p:nvSpPr>
-          <p:cNvPr id="7" name="Date Placeholder 6">
-            <a:extLst>
-              <a:ext uri="{FF2B5EF4-FFF2-40B4-BE49-F238E27FC236}">
-                <a16:creationId xmlns:a16="http://schemas.microsoft.com/office/drawing/2014/main" id="{85478F38-E2D1-4A62-AF68-732122A4275C}"/>
-              </a:ext>
-            </a:extLst>
-          </p:cNvPr>
+            <a:endParaRPr lang="en-US" dirty="0"/>
+          </a:p>
+        </p:txBody>
+      </p:sp>
+      <p:sp>
+        <p:nvSpPr>
+          <p:cNvPr id="7" name="Date Placeholder 6"/>
           <p:cNvSpPr>
             <a:spLocks noGrp="1"/>
           </p:cNvSpPr>
@@ -1812,23 +2541,17 @@
           <a:bodyPr/>
           <a:lstStyle/>
           <a:p>
-            <a:fld id="{CEFD685A-346E-4025-8F0C-FF1A4F1C8B8B}" type="datetimeFigureOut">
+            <a:fld id="{9796027F-7875-4030-9381-8BD8C4F21935}" type="datetimeFigureOut">
               <a:rPr lang="en-US" smtClean="0"/>
-              <a:t>7/18/2018</a:t>
+              <a:t>7/19/2018</a:t>
             </a:fld>
-            <a:endParaRPr lang="en-US"/>
-          </a:p>
-        </p:txBody>
-      </p:sp>
-      <p:sp>
-        <p:nvSpPr>
-          <p:cNvPr id="8" name="Footer Placeholder 7">
-            <a:extLst>
-              <a:ext uri="{FF2B5EF4-FFF2-40B4-BE49-F238E27FC236}">
-                <a16:creationId xmlns:a16="http://schemas.microsoft.com/office/drawing/2014/main" id="{A9EA3BBF-AB4F-4BF2-8CB7-3DD381847A29}"/>
-              </a:ext>
-            </a:extLst>
-          </p:cNvPr>
+            <a:endParaRPr lang="en-US" dirty="0"/>
+          </a:p>
+        </p:txBody>
+      </p:sp>
+      <p:sp>
+        <p:nvSpPr>
+          <p:cNvPr id="8" name="Footer Placeholder 7"/>
           <p:cNvSpPr>
             <a:spLocks noGrp="1"/>
           </p:cNvSpPr>
@@ -1841,19 +2564,13 @@
           <a:bodyPr/>
           <a:lstStyle/>
           <a:p>
-            <a:endParaRPr lang="en-US"/>
-          </a:p>
-        </p:txBody>
-      </p:sp>
-      <p:sp>
-        <p:nvSpPr>
-          <p:cNvPr id="9" name="Slide Number Placeholder 8">
-            <a:extLst>
-              <a:ext uri="{FF2B5EF4-FFF2-40B4-BE49-F238E27FC236}">
-                <a16:creationId xmlns:a16="http://schemas.microsoft.com/office/drawing/2014/main" id="{32A12149-0B46-4562-BA00-EDA35A239826}"/>
-              </a:ext>
-            </a:extLst>
-          </p:cNvPr>
+            <a:endParaRPr lang="en-US" dirty="0"/>
+          </a:p>
+        </p:txBody>
+      </p:sp>
+      <p:sp>
+        <p:nvSpPr>
+          <p:cNvPr id="9" name="Slide Number Placeholder 8"/>
           <p:cNvSpPr>
             <a:spLocks noGrp="1"/>
           </p:cNvSpPr>
@@ -1877,13 +2594,18 @@
     </p:spTree>
     <p:extLst>
       <p:ext uri="{BB962C8B-B14F-4D97-AF65-F5344CB8AC3E}">
-        <p14:creationId xmlns:p14="http://schemas.microsoft.com/office/powerpoint/2010/main" val="3246597466"/>
+        <p14:creationId xmlns:p14="http://schemas.microsoft.com/office/powerpoint/2010/main" val="1117423154"/>
       </p:ext>
     </p:extLst>
   </p:cSld>
   <p:clrMapOvr>
     <a:masterClrMapping/>
   </p:clrMapOvr>
+  <p:extLst>
+    <p:ext uri="{DCECCB84-F9BA-43D5-87BE-67443E8EF086}">
+      <p15:sldGuideLst xmlns:p15="http://schemas.microsoft.com/office/powerpoint/2012/main"/>
+    </p:ext>
+  </p:extLst>
 </p:sldLayout>
 </file>
 
@@ -1906,13 +2628,7 @@
       </p:grpSpPr>
       <p:sp>
         <p:nvSpPr>
-          <p:cNvPr id="2" name="Title 1">
-            <a:extLst>
-              <a:ext uri="{FF2B5EF4-FFF2-40B4-BE49-F238E27FC236}">
-                <a16:creationId xmlns:a16="http://schemas.microsoft.com/office/drawing/2014/main" id="{E3212A32-41A2-498C-B491-2E857646C7D5}"/>
-              </a:ext>
-            </a:extLst>
-          </p:cNvPr>
+          <p:cNvPr id="2" name="Title 1"/>
           <p:cNvSpPr>
             <a:spLocks noGrp="1"/>
           </p:cNvSpPr>
@@ -1929,18 +2645,13 @@
               <a:rPr lang="en-US"/>
               <a:t>Click to edit Master title style</a:t>
             </a:r>
-          </a:p>
-        </p:txBody>
-      </p:sp>
-      <p:sp>
-        <p:nvSpPr>
-          <p:cNvPr id="3" name="Date Placeholder 2">
-            <a:extLst>
-              <a:ext uri="{FF2B5EF4-FFF2-40B4-BE49-F238E27FC236}">
-                <a16:creationId xmlns:a16="http://schemas.microsoft.com/office/drawing/2014/main" id="{771CB105-B7D6-4FA4-BB6A-14107C4226D7}"/>
-              </a:ext>
-            </a:extLst>
-          </p:cNvPr>
+            <a:endParaRPr lang="en-US" dirty="0"/>
+          </a:p>
+        </p:txBody>
+      </p:sp>
+      <p:sp>
+        <p:nvSpPr>
+          <p:cNvPr id="3" name="Date Placeholder 2"/>
           <p:cNvSpPr>
             <a:spLocks noGrp="1"/>
           </p:cNvSpPr>
@@ -1953,23 +2664,17 @@
           <a:bodyPr/>
           <a:lstStyle/>
           <a:p>
-            <a:fld id="{CEFD685A-346E-4025-8F0C-FF1A4F1C8B8B}" type="datetimeFigureOut">
+            <a:fld id="{4509A250-FF31-4206-8172-F9D3106AACB1}" type="datetimeFigureOut">
               <a:rPr lang="en-US" smtClean="0"/>
-              <a:t>7/18/2018</a:t>
+              <a:t>7/19/2018</a:t>
             </a:fld>
-            <a:endParaRPr lang="en-US"/>
-          </a:p>
-        </p:txBody>
-      </p:sp>
-      <p:sp>
-        <p:nvSpPr>
-          <p:cNvPr id="4" name="Footer Placeholder 3">
-            <a:extLst>
-              <a:ext uri="{FF2B5EF4-FFF2-40B4-BE49-F238E27FC236}">
-                <a16:creationId xmlns:a16="http://schemas.microsoft.com/office/drawing/2014/main" id="{3D8BDA4D-1E29-4D50-8E50-62A88A0ED3C5}"/>
-              </a:ext>
-            </a:extLst>
-          </p:cNvPr>
+            <a:endParaRPr lang="en-US" dirty="0"/>
+          </a:p>
+        </p:txBody>
+      </p:sp>
+      <p:sp>
+        <p:nvSpPr>
+          <p:cNvPr id="4" name="Footer Placeholder 3"/>
           <p:cNvSpPr>
             <a:spLocks noGrp="1"/>
           </p:cNvSpPr>
@@ -1982,19 +2687,13 @@
           <a:bodyPr/>
           <a:lstStyle/>
           <a:p>
-            <a:endParaRPr lang="en-US"/>
-          </a:p>
-        </p:txBody>
-      </p:sp>
-      <p:sp>
-        <p:nvSpPr>
-          <p:cNvPr id="5" name="Slide Number Placeholder 4">
-            <a:extLst>
-              <a:ext uri="{FF2B5EF4-FFF2-40B4-BE49-F238E27FC236}">
-                <a16:creationId xmlns:a16="http://schemas.microsoft.com/office/drawing/2014/main" id="{0C5044F6-6879-446E-B8C7-4089BF32B771}"/>
-              </a:ext>
-            </a:extLst>
-          </p:cNvPr>
+            <a:endParaRPr lang="en-US" dirty="0"/>
+          </a:p>
+        </p:txBody>
+      </p:sp>
+      <p:sp>
+        <p:nvSpPr>
+          <p:cNvPr id="5" name="Slide Number Placeholder 4"/>
           <p:cNvSpPr>
             <a:spLocks noGrp="1"/>
           </p:cNvSpPr>
@@ -2018,7 +2717,7 @@
     </p:spTree>
     <p:extLst>
       <p:ext uri="{BB962C8B-B14F-4D97-AF65-F5344CB8AC3E}">
-        <p14:creationId xmlns:p14="http://schemas.microsoft.com/office/powerpoint/2010/main" val="3814552511"/>
+        <p14:creationId xmlns:p14="http://schemas.microsoft.com/office/powerpoint/2010/main" val="1112825488"/>
       </p:ext>
     </p:extLst>
   </p:cSld>
@@ -2047,13 +2746,7 @@
       </p:grpSpPr>
       <p:sp>
         <p:nvSpPr>
-          <p:cNvPr id="2" name="Date Placeholder 1">
-            <a:extLst>
-              <a:ext uri="{FF2B5EF4-FFF2-40B4-BE49-F238E27FC236}">
-                <a16:creationId xmlns:a16="http://schemas.microsoft.com/office/drawing/2014/main" id="{F17DFF5B-711C-40D4-BFBF-3A368C3954EF}"/>
-              </a:ext>
-            </a:extLst>
-          </p:cNvPr>
+          <p:cNvPr id="2" name="Date Placeholder 1"/>
           <p:cNvSpPr>
             <a:spLocks noGrp="1"/>
           </p:cNvSpPr>
@@ -2066,23 +2759,17 @@
           <a:bodyPr/>
           <a:lstStyle/>
           <a:p>
-            <a:fld id="{CEFD685A-346E-4025-8F0C-FF1A4F1C8B8B}" type="datetimeFigureOut">
+            <a:fld id="{4509A250-FF31-4206-8172-F9D3106AACB1}" type="datetimeFigureOut">
               <a:rPr lang="en-US" smtClean="0"/>
-              <a:t>7/18/2018</a:t>
+              <a:t>7/19/2018</a:t>
             </a:fld>
-            <a:endParaRPr lang="en-US"/>
-          </a:p>
-        </p:txBody>
-      </p:sp>
-      <p:sp>
-        <p:nvSpPr>
-          <p:cNvPr id="3" name="Footer Placeholder 2">
-            <a:extLst>
-              <a:ext uri="{FF2B5EF4-FFF2-40B4-BE49-F238E27FC236}">
-                <a16:creationId xmlns:a16="http://schemas.microsoft.com/office/drawing/2014/main" id="{23A77D77-56C1-418B-A06C-CC35652EF40D}"/>
-              </a:ext>
-            </a:extLst>
-          </p:cNvPr>
+            <a:endParaRPr lang="en-US" dirty="0"/>
+          </a:p>
+        </p:txBody>
+      </p:sp>
+      <p:sp>
+        <p:nvSpPr>
+          <p:cNvPr id="3" name="Footer Placeholder 2"/>
           <p:cNvSpPr>
             <a:spLocks noGrp="1"/>
           </p:cNvSpPr>
@@ -2095,19 +2782,13 @@
           <a:bodyPr/>
           <a:lstStyle/>
           <a:p>
-            <a:endParaRPr lang="en-US"/>
-          </a:p>
-        </p:txBody>
-      </p:sp>
-      <p:sp>
-        <p:nvSpPr>
-          <p:cNvPr id="4" name="Slide Number Placeholder 3">
-            <a:extLst>
-              <a:ext uri="{FF2B5EF4-FFF2-40B4-BE49-F238E27FC236}">
-                <a16:creationId xmlns:a16="http://schemas.microsoft.com/office/drawing/2014/main" id="{195B59E8-74AC-4CFE-AC53-023F330810DF}"/>
-              </a:ext>
-            </a:extLst>
-          </p:cNvPr>
+            <a:endParaRPr lang="en-US" dirty="0"/>
+          </a:p>
+        </p:txBody>
+      </p:sp>
+      <p:sp>
+        <p:nvSpPr>
+          <p:cNvPr id="4" name="Slide Number Placeholder 3"/>
           <p:cNvSpPr>
             <a:spLocks noGrp="1"/>
           </p:cNvSpPr>
@@ -2131,7 +2812,7 @@
     </p:spTree>
     <p:extLst>
       <p:ext uri="{BB962C8B-B14F-4D97-AF65-F5344CB8AC3E}">
-        <p14:creationId xmlns:p14="http://schemas.microsoft.com/office/powerpoint/2010/main" val="2182549012"/>
+        <p14:creationId xmlns:p14="http://schemas.microsoft.com/office/powerpoint/2010/main" val="4064803147"/>
       </p:ext>
     </p:extLst>
   </p:cSld>
@@ -2160,13 +2841,7 @@
       </p:grpSpPr>
       <p:sp>
         <p:nvSpPr>
-          <p:cNvPr id="2" name="Title 1">
-            <a:extLst>
-              <a:ext uri="{FF2B5EF4-FFF2-40B4-BE49-F238E27FC236}">
-                <a16:creationId xmlns:a16="http://schemas.microsoft.com/office/drawing/2014/main" id="{AE9EABF9-E5FA-4B02-830F-4B9E9F1AB016}"/>
-              </a:ext>
-            </a:extLst>
-          </p:cNvPr>
+          <p:cNvPr id="2" name="Title 1"/>
           <p:cNvSpPr>
             <a:spLocks noGrp="1"/>
           </p:cNvSpPr>
@@ -2176,15 +2851,20 @@
         </p:nvSpPr>
         <p:spPr>
           <a:xfrm>
-            <a:off x="839788" y="457200"/>
-            <a:ext cx="3932237" cy="1600200"/>
+            <a:off x="762000" y="555479"/>
+            <a:ext cx="3838776" cy="1921022"/>
           </a:xfrm>
         </p:spPr>
         <p:txBody>
-          <a:bodyPr anchor="b"/>
+          <a:bodyPr anchor="t">
+            <a:noAutofit/>
+          </a:bodyPr>
           <a:lstStyle>
             <a:lvl1pPr>
-              <a:defRPr sz="3200"/>
+              <a:lnSpc>
+                <a:spcPct val="93000"/>
+              </a:lnSpc>
+              <a:defRPr sz="4000"/>
             </a:lvl1pPr>
           </a:lstStyle>
           <a:p>
@@ -2192,18 +2872,13 @@
               <a:rPr lang="en-US"/>
               <a:t>Click to edit Master title style</a:t>
             </a:r>
-          </a:p>
-        </p:txBody>
-      </p:sp>
-      <p:sp>
-        <p:nvSpPr>
-          <p:cNvPr id="3" name="Content Placeholder 2">
-            <a:extLst>
-              <a:ext uri="{FF2B5EF4-FFF2-40B4-BE49-F238E27FC236}">
-                <a16:creationId xmlns:a16="http://schemas.microsoft.com/office/drawing/2014/main" id="{C4513177-4014-45C8-AE69-B20DABFD85B5}"/>
-              </a:ext>
-            </a:extLst>
-          </p:cNvPr>
+            <a:endParaRPr lang="en-US" dirty="0"/>
+          </a:p>
+        </p:txBody>
+      </p:sp>
+      <p:sp>
+        <p:nvSpPr>
+          <p:cNvPr id="3" name="Content Placeholder 2"/>
           <p:cNvSpPr>
             <a:spLocks noGrp="1"/>
           </p:cNvSpPr>
@@ -2213,46 +2888,61 @@
         </p:nvSpPr>
         <p:spPr>
           <a:xfrm>
-            <a:off x="5183188" y="987425"/>
-            <a:ext cx="6172200" cy="4873625"/>
+            <a:off x="5181600" y="564147"/>
+            <a:ext cx="6248400" cy="5622644"/>
           </a:xfrm>
         </p:spPr>
         <p:txBody>
           <a:bodyPr/>
           <a:lstStyle>
             <a:lvl1pPr>
-              <a:defRPr sz="3200"/>
+              <a:lnSpc>
+                <a:spcPct val="112000"/>
+              </a:lnSpc>
+              <a:defRPr sz="2000"/>
             </a:lvl1pPr>
             <a:lvl2pPr>
-              <a:defRPr sz="2800"/>
+              <a:lnSpc>
+                <a:spcPct val="112000"/>
+              </a:lnSpc>
+              <a:defRPr sz="1800"/>
             </a:lvl2pPr>
             <a:lvl3pPr>
-              <a:defRPr sz="2400"/>
+              <a:lnSpc>
+                <a:spcPct val="112000"/>
+              </a:lnSpc>
+              <a:defRPr sz="1600"/>
             </a:lvl3pPr>
             <a:lvl4pPr>
-              <a:defRPr sz="2000"/>
+              <a:lnSpc>
+                <a:spcPct val="112000"/>
+              </a:lnSpc>
+              <a:defRPr sz="1400"/>
             </a:lvl4pPr>
             <a:lvl5pPr>
-              <a:defRPr sz="2000"/>
+              <a:lnSpc>
+                <a:spcPct val="112000"/>
+              </a:lnSpc>
+              <a:defRPr sz="1400"/>
             </a:lvl5pPr>
             <a:lvl6pPr>
-              <a:defRPr sz="2000"/>
+              <a:defRPr sz="1400"/>
             </a:lvl6pPr>
             <a:lvl7pPr>
-              <a:defRPr sz="2000"/>
+              <a:defRPr sz="1400"/>
             </a:lvl7pPr>
             <a:lvl8pPr>
-              <a:defRPr sz="2000"/>
+              <a:defRPr sz="1400"/>
             </a:lvl8pPr>
             <a:lvl9pPr>
-              <a:defRPr sz="2000"/>
+              <a:defRPr sz="1400"/>
             </a:lvl9pPr>
           </a:lstStyle>
           <a:p>
             <a:pPr lvl="0"/>
             <a:r>
               <a:rPr lang="en-US"/>
-              <a:t>Edit Master text styles</a:t>
+              <a:t>Click to edit Master text styles</a:t>
             </a:r>
           </a:p>
           <a:p>
@@ -2282,18 +2972,13 @@
               <a:rPr lang="en-US"/>
               <a:t>Fifth level</a:t>
             </a:r>
-          </a:p>
-        </p:txBody>
-      </p:sp>
-      <p:sp>
-        <p:nvSpPr>
-          <p:cNvPr id="4" name="Text Placeholder 3">
-            <a:extLst>
-              <a:ext uri="{FF2B5EF4-FFF2-40B4-BE49-F238E27FC236}">
-                <a16:creationId xmlns:a16="http://schemas.microsoft.com/office/drawing/2014/main" id="{FFBD90DB-D573-4DCB-949B-09196B03F693}"/>
-              </a:ext>
-            </a:extLst>
-          </p:cNvPr>
+            <a:endParaRPr lang="en-US" dirty="0"/>
+          </a:p>
+        </p:txBody>
+      </p:sp>
+      <p:sp>
+        <p:nvSpPr>
+          <p:cNvPr id="4" name="Text Placeholder 3"/>
           <p:cNvSpPr>
             <a:spLocks noGrp="1"/>
           </p:cNvSpPr>
@@ -2303,14 +2988,17 @@
         </p:nvSpPr>
         <p:spPr>
           <a:xfrm>
-            <a:off x="839788" y="2057400"/>
-            <a:ext cx="3932237" cy="3811588"/>
+            <a:off x="762000" y="2621512"/>
+            <a:ext cx="3838776" cy="3239537"/>
           </a:xfrm>
         </p:spPr>
         <p:txBody>
           <a:bodyPr/>
           <a:lstStyle>
-            <a:lvl1pPr marL="0" indent="0">
+            <a:lvl1pPr marL="0" indent="0" algn="r">
+              <a:lnSpc>
+                <a:spcPct val="125000"/>
+              </a:lnSpc>
               <a:buNone/>
               <a:defRPr sz="1600"/>
             </a:lvl1pPr>
@@ -2351,20 +3039,14 @@
             <a:pPr lvl="0"/>
             <a:r>
               <a:rPr lang="en-US"/>
-              <a:t>Edit Master text styles</a:t>
-            </a:r>
-          </a:p>
-        </p:txBody>
-      </p:sp>
-      <p:sp>
-        <p:nvSpPr>
-          <p:cNvPr id="5" name="Date Placeholder 4">
-            <a:extLst>
-              <a:ext uri="{FF2B5EF4-FFF2-40B4-BE49-F238E27FC236}">
-                <a16:creationId xmlns:a16="http://schemas.microsoft.com/office/drawing/2014/main" id="{633C35EE-A50F-4D31-9DAC-5AA1D4885AD0}"/>
-              </a:ext>
-            </a:extLst>
-          </p:cNvPr>
+              <a:t>Click to edit Master text styles</a:t>
+            </a:r>
+          </a:p>
+        </p:txBody>
+      </p:sp>
+      <p:sp>
+        <p:nvSpPr>
+          <p:cNvPr id="5" name="Date Placeholder 4"/>
           <p:cNvSpPr>
             <a:spLocks noGrp="1"/>
           </p:cNvSpPr>
@@ -2377,23 +3059,17 @@
           <a:bodyPr/>
           <a:lstStyle/>
           <a:p>
-            <a:fld id="{CEFD685A-346E-4025-8F0C-FF1A4F1C8B8B}" type="datetimeFigureOut">
+            <a:fld id="{4509A250-FF31-4206-8172-F9D3106AACB1}" type="datetimeFigureOut">
               <a:rPr lang="en-US" smtClean="0"/>
-              <a:t>7/18/2018</a:t>
+              <a:t>7/19/2018</a:t>
             </a:fld>
-            <a:endParaRPr lang="en-US"/>
-          </a:p>
-        </p:txBody>
-      </p:sp>
-      <p:sp>
-        <p:nvSpPr>
-          <p:cNvPr id="6" name="Footer Placeholder 5">
-            <a:extLst>
-              <a:ext uri="{FF2B5EF4-FFF2-40B4-BE49-F238E27FC236}">
-                <a16:creationId xmlns:a16="http://schemas.microsoft.com/office/drawing/2014/main" id="{E1528E83-32A1-4C7E-95CB-3FAD81216D90}"/>
-              </a:ext>
-            </a:extLst>
-          </p:cNvPr>
+            <a:endParaRPr lang="en-US" dirty="0"/>
+          </a:p>
+        </p:txBody>
+      </p:sp>
+      <p:sp>
+        <p:nvSpPr>
+          <p:cNvPr id="6" name="Footer Placeholder 5"/>
           <p:cNvSpPr>
             <a:spLocks noGrp="1"/>
           </p:cNvSpPr>
@@ -2406,19 +3082,13 @@
           <a:bodyPr/>
           <a:lstStyle/>
           <a:p>
-            <a:endParaRPr lang="en-US"/>
-          </a:p>
-        </p:txBody>
-      </p:sp>
-      <p:sp>
-        <p:nvSpPr>
-          <p:cNvPr id="7" name="Slide Number Placeholder 6">
-            <a:extLst>
-              <a:ext uri="{FF2B5EF4-FFF2-40B4-BE49-F238E27FC236}">
-                <a16:creationId xmlns:a16="http://schemas.microsoft.com/office/drawing/2014/main" id="{63DE5A7B-E74D-4CCC-9705-BD01E5D5B991}"/>
-              </a:ext>
-            </a:extLst>
-          </p:cNvPr>
+            <a:endParaRPr lang="en-US" dirty="0"/>
+          </a:p>
+        </p:txBody>
+      </p:sp>
+      <p:sp>
+        <p:nvSpPr>
+          <p:cNvPr id="7" name="Slide Number Placeholder 6"/>
           <p:cNvSpPr>
             <a:spLocks noGrp="1"/>
           </p:cNvSpPr>
@@ -2442,13 +3112,18 @@
     </p:spTree>
     <p:extLst>
       <p:ext uri="{BB962C8B-B14F-4D97-AF65-F5344CB8AC3E}">
-        <p14:creationId xmlns:p14="http://schemas.microsoft.com/office/powerpoint/2010/main" val="1531370744"/>
+        <p14:creationId xmlns:p14="http://schemas.microsoft.com/office/powerpoint/2010/main" val="2479004893"/>
       </p:ext>
     </p:extLst>
   </p:cSld>
   <p:clrMapOvr>
     <a:masterClrMapping/>
   </p:clrMapOvr>
+  <p:extLst>
+    <p:ext uri="{DCECCB84-F9BA-43D5-87BE-67443E8EF086}">
+      <p15:sldGuideLst xmlns:p15="http://schemas.microsoft.com/office/powerpoint/2012/main"/>
+    </p:ext>
+  </p:extLst>
 </p:sldLayout>
 </file>
 
@@ -2471,13 +3146,7 @@
       </p:grpSpPr>
       <p:sp>
         <p:nvSpPr>
-          <p:cNvPr id="2" name="Title 1">
-            <a:extLst>
-              <a:ext uri="{FF2B5EF4-FFF2-40B4-BE49-F238E27FC236}">
-                <a16:creationId xmlns:a16="http://schemas.microsoft.com/office/drawing/2014/main" id="{91FFEE11-8124-4248-8C27-653B05098556}"/>
-              </a:ext>
-            </a:extLst>
-          </p:cNvPr>
+          <p:cNvPr id="2" name="Title 1"/>
           <p:cNvSpPr>
             <a:spLocks noGrp="1"/>
           </p:cNvSpPr>
@@ -2487,15 +3156,20 @@
         </p:nvSpPr>
         <p:spPr>
           <a:xfrm>
-            <a:off x="839788" y="457200"/>
-            <a:ext cx="3932237" cy="1600200"/>
+            <a:off x="758952" y="557261"/>
+            <a:ext cx="3840480" cy="1919239"/>
           </a:xfrm>
         </p:spPr>
         <p:txBody>
-          <a:bodyPr anchor="b"/>
+          <a:bodyPr anchor="t">
+            <a:noAutofit/>
+          </a:bodyPr>
           <a:lstStyle>
             <a:lvl1pPr>
-              <a:defRPr sz="3200"/>
+              <a:lnSpc>
+                <a:spcPct val="93000"/>
+              </a:lnSpc>
+              <a:defRPr sz="4000" baseline="0"/>
             </a:lvl1pPr>
           </a:lstStyle>
           <a:p>
@@ -2503,20 +3177,15 @@
               <a:rPr lang="en-US"/>
               <a:t>Click to edit Master title style</a:t>
             </a:r>
-          </a:p>
-        </p:txBody>
-      </p:sp>
-      <p:sp>
-        <p:nvSpPr>
-          <p:cNvPr id="3" name="Picture Placeholder 2">
-            <a:extLst>
-              <a:ext uri="{FF2B5EF4-FFF2-40B4-BE49-F238E27FC236}">
-                <a16:creationId xmlns:a16="http://schemas.microsoft.com/office/drawing/2014/main" id="{487FFFC1-4671-442F-A135-F359BB7B469C}"/>
-              </a:ext>
-            </a:extLst>
-          </p:cNvPr>
-          <p:cNvSpPr>
-            <a:spLocks noGrp="1"/>
+            <a:endParaRPr lang="en-US" dirty="0"/>
+          </a:p>
+        </p:txBody>
+      </p:sp>
+      <p:sp>
+        <p:nvSpPr>
+          <p:cNvPr id="3" name="Picture Placeholder 2"/>
+          <p:cNvSpPr>
+            <a:spLocks noGrp="1" noChangeAspect="1"/>
           </p:cNvSpPr>
           <p:nvPr>
             <p:ph type="pic" idx="1"/>
@@ -2524,12 +3193,12 @@
         </p:nvSpPr>
         <p:spPr>
           <a:xfrm>
-            <a:off x="5183188" y="987425"/>
-            <a:ext cx="6172200" cy="4873625"/>
+            <a:off x="5257800" y="0"/>
+            <a:ext cx="6172200" cy="6857999"/>
           </a:xfrm>
         </p:spPr>
         <p:txBody>
-          <a:bodyPr/>
+          <a:bodyPr anchor="t"/>
           <a:lstStyle>
             <a:lvl1pPr marL="0" indent="0">
               <a:buNone/>
@@ -2569,19 +3238,17 @@
             </a:lvl9pPr>
           </a:lstStyle>
           <a:p>
-            <a:endParaRPr lang="en-US"/>
-          </a:p>
-        </p:txBody>
-      </p:sp>
-      <p:sp>
-        <p:nvSpPr>
-          <p:cNvPr id="4" name="Text Placeholder 3">
-            <a:extLst>
-              <a:ext uri="{FF2B5EF4-FFF2-40B4-BE49-F238E27FC236}">
-                <a16:creationId xmlns:a16="http://schemas.microsoft.com/office/drawing/2014/main" id="{C645D173-6E32-44B0-9CCE-C1A91C8E97BC}"/>
-              </a:ext>
-            </a:extLst>
-          </p:cNvPr>
+            <a:r>
+              <a:rPr lang="en-US"/>
+              <a:t>Click icon to add picture</a:t>
+            </a:r>
+            <a:endParaRPr lang="en-US" dirty="0"/>
+          </a:p>
+        </p:txBody>
+      </p:sp>
+      <p:sp>
+        <p:nvSpPr>
+          <p:cNvPr id="4" name="Text Placeholder 3"/>
           <p:cNvSpPr>
             <a:spLocks noGrp="1"/>
           </p:cNvSpPr>
@@ -2591,14 +3258,17 @@
         </p:nvSpPr>
         <p:spPr>
           <a:xfrm>
-            <a:off x="839788" y="2057400"/>
-            <a:ext cx="3932237" cy="3811588"/>
+            <a:off x="758952" y="2621512"/>
+            <a:ext cx="3840480" cy="3236976"/>
           </a:xfrm>
         </p:spPr>
         <p:txBody>
           <a:bodyPr/>
           <a:lstStyle>
-            <a:lvl1pPr marL="0" indent="0">
+            <a:lvl1pPr marL="0" indent="0" algn="r">
+              <a:lnSpc>
+                <a:spcPct val="125000"/>
+              </a:lnSpc>
               <a:buNone/>
               <a:defRPr sz="1600"/>
             </a:lvl1pPr>
@@ -2639,20 +3309,14 @@
             <a:pPr lvl="0"/>
             <a:r>
               <a:rPr lang="en-US"/>
-              <a:t>Edit Master text styles</a:t>
-            </a:r>
-          </a:p>
-        </p:txBody>
-      </p:sp>
-      <p:sp>
-        <p:nvSpPr>
-          <p:cNvPr id="5" name="Date Placeholder 4">
-            <a:extLst>
-              <a:ext uri="{FF2B5EF4-FFF2-40B4-BE49-F238E27FC236}">
-                <a16:creationId xmlns:a16="http://schemas.microsoft.com/office/drawing/2014/main" id="{7FC8B20C-8F17-4737-BCB5-CD7122114C16}"/>
-              </a:ext>
-            </a:extLst>
-          </p:cNvPr>
+              <a:t>Click to edit Master text styles</a:t>
+            </a:r>
+          </a:p>
+        </p:txBody>
+      </p:sp>
+      <p:sp>
+        <p:nvSpPr>
+          <p:cNvPr id="5" name="Date Placeholder 4"/>
           <p:cNvSpPr>
             <a:spLocks noGrp="1"/>
           </p:cNvSpPr>
@@ -2665,23 +3329,17 @@
           <a:bodyPr/>
           <a:lstStyle/>
           <a:p>
-            <a:fld id="{CEFD685A-346E-4025-8F0C-FF1A4F1C8B8B}" type="datetimeFigureOut">
+            <a:fld id="{4509A250-FF31-4206-8172-F9D3106AACB1}" type="datetimeFigureOut">
               <a:rPr lang="en-US" smtClean="0"/>
-              <a:t>7/18/2018</a:t>
+              <a:t>7/19/2018</a:t>
             </a:fld>
-            <a:endParaRPr lang="en-US"/>
-          </a:p>
-        </p:txBody>
-      </p:sp>
-      <p:sp>
-        <p:nvSpPr>
-          <p:cNvPr id="6" name="Footer Placeholder 5">
-            <a:extLst>
-              <a:ext uri="{FF2B5EF4-FFF2-40B4-BE49-F238E27FC236}">
-                <a16:creationId xmlns:a16="http://schemas.microsoft.com/office/drawing/2014/main" id="{5372CCF5-23E8-4995-8331-7123856724C7}"/>
-              </a:ext>
-            </a:extLst>
-          </p:cNvPr>
+            <a:endParaRPr lang="en-US" dirty="0"/>
+          </a:p>
+        </p:txBody>
+      </p:sp>
+      <p:sp>
+        <p:nvSpPr>
+          <p:cNvPr id="6" name="Footer Placeholder 5"/>
           <p:cNvSpPr>
             <a:spLocks noGrp="1"/>
           </p:cNvSpPr>
@@ -2694,19 +3352,13 @@
           <a:bodyPr/>
           <a:lstStyle/>
           <a:p>
-            <a:endParaRPr lang="en-US"/>
-          </a:p>
-        </p:txBody>
-      </p:sp>
-      <p:sp>
-        <p:nvSpPr>
-          <p:cNvPr id="7" name="Slide Number Placeholder 6">
-            <a:extLst>
-              <a:ext uri="{FF2B5EF4-FFF2-40B4-BE49-F238E27FC236}">
-                <a16:creationId xmlns:a16="http://schemas.microsoft.com/office/drawing/2014/main" id="{BECF43F1-DDAC-44A9-8FC4-5C3C903BAE9F}"/>
-              </a:ext>
-            </a:extLst>
-          </p:cNvPr>
+            <a:endParaRPr lang="en-US" dirty="0"/>
+          </a:p>
+        </p:txBody>
+      </p:sp>
+      <p:sp>
+        <p:nvSpPr>
+          <p:cNvPr id="7" name="Slide Number Placeholder 6"/>
           <p:cNvSpPr>
             <a:spLocks noGrp="1"/>
           </p:cNvSpPr>
@@ -2730,7 +3382,7 @@
     </p:spTree>
     <p:extLst>
       <p:ext uri="{BB962C8B-B14F-4D97-AF65-F5344CB8AC3E}">
-        <p14:creationId xmlns:p14="http://schemas.microsoft.com/office/powerpoint/2010/main" val="262759967"/>
+        <p14:creationId xmlns:p14="http://schemas.microsoft.com/office/powerpoint/2010/main" val="849212902"/>
       </p:ext>
     </p:extLst>
   </p:cSld>
@@ -2744,9 +3396,12 @@
 <p:sldMaster xmlns:a="http://schemas.openxmlformats.org/drawingml/2006/main" xmlns:r="http://schemas.openxmlformats.org/officeDocument/2006/relationships" xmlns:p="http://schemas.openxmlformats.org/presentationml/2006/main">
   <p:cSld>
     <p:bg>
-      <p:bgRef idx="1001">
-        <a:schemeClr val="bg1"/>
-      </p:bgRef>
+      <p:bgPr>
+        <a:solidFill>
+          <a:schemeClr val="bg2"/>
+        </a:solidFill>
+        <a:effectLst/>
+      </p:bgPr>
     </p:bg>
     <p:spTree>
       <p:nvGrpSpPr>
@@ -2764,13 +3419,207 @@
       </p:grpSpPr>
       <p:sp>
         <p:nvSpPr>
-          <p:cNvPr id="2" name="Title Placeholder 1">
-            <a:extLst>
-              <a:ext uri="{FF2B5EF4-FFF2-40B4-BE49-F238E27FC236}">
-                <a16:creationId xmlns:a16="http://schemas.microsoft.com/office/drawing/2014/main" id="{ABDD9B49-0912-4EAA-AC4C-8778D66EF79B}"/>
-              </a:ext>
-            </a:extLst>
-          </p:cNvPr>
+          <p:cNvPr id="20" name="Freeform 6" title="Page Number Shape"/>
+          <p:cNvSpPr/>
+          <p:nvPr/>
+        </p:nvSpPr>
+        <p:spPr bwMode="auto">
+          <a:xfrm>
+            <a:off x="11784011" y="5380580"/>
+            <a:ext cx="407988" cy="819150"/>
+          </a:xfrm>
+          <a:custGeom>
+            <a:avLst/>
+            <a:gdLst/>
+            <a:ahLst/>
+            <a:cxnLst/>
+            <a:rect l="0" t="0" r="r" b="b"/>
+            <a:pathLst>
+              <a:path w="1799" h="3612">
+                <a:moveTo>
+                  <a:pt x="1799" y="0"/>
+                </a:moveTo>
+                <a:lnTo>
+                  <a:pt x="1799" y="3612"/>
+                </a:lnTo>
+                <a:lnTo>
+                  <a:pt x="1686" y="3609"/>
+                </a:lnTo>
+                <a:lnTo>
+                  <a:pt x="1574" y="3598"/>
+                </a:lnTo>
+                <a:lnTo>
+                  <a:pt x="1464" y="3581"/>
+                </a:lnTo>
+                <a:lnTo>
+                  <a:pt x="1357" y="3557"/>
+                </a:lnTo>
+                <a:lnTo>
+                  <a:pt x="1251" y="3527"/>
+                </a:lnTo>
+                <a:lnTo>
+                  <a:pt x="1150" y="3490"/>
+                </a:lnTo>
+                <a:lnTo>
+                  <a:pt x="1050" y="3448"/>
+                </a:lnTo>
+                <a:lnTo>
+                  <a:pt x="953" y="3401"/>
+                </a:lnTo>
+                <a:lnTo>
+                  <a:pt x="860" y="3347"/>
+                </a:lnTo>
+                <a:lnTo>
+                  <a:pt x="771" y="3289"/>
+                </a:lnTo>
+                <a:lnTo>
+                  <a:pt x="686" y="3224"/>
+                </a:lnTo>
+                <a:lnTo>
+                  <a:pt x="604" y="3156"/>
+                </a:lnTo>
+                <a:lnTo>
+                  <a:pt x="527" y="3083"/>
+                </a:lnTo>
+                <a:lnTo>
+                  <a:pt x="454" y="3005"/>
+                </a:lnTo>
+                <a:lnTo>
+                  <a:pt x="386" y="2923"/>
+                </a:lnTo>
+                <a:lnTo>
+                  <a:pt x="323" y="2838"/>
+                </a:lnTo>
+                <a:lnTo>
+                  <a:pt x="265" y="2748"/>
+                </a:lnTo>
+                <a:lnTo>
+                  <a:pt x="211" y="2655"/>
+                </a:lnTo>
+                <a:lnTo>
+                  <a:pt x="163" y="2559"/>
+                </a:lnTo>
+                <a:lnTo>
+                  <a:pt x="121" y="2459"/>
+                </a:lnTo>
+                <a:lnTo>
+                  <a:pt x="85" y="2356"/>
+                </a:lnTo>
+                <a:lnTo>
+                  <a:pt x="55" y="2251"/>
+                </a:lnTo>
+                <a:lnTo>
+                  <a:pt x="32" y="2143"/>
+                </a:lnTo>
+                <a:lnTo>
+                  <a:pt x="14" y="2033"/>
+                </a:lnTo>
+                <a:lnTo>
+                  <a:pt x="4" y="1920"/>
+                </a:lnTo>
+                <a:lnTo>
+                  <a:pt x="0" y="1806"/>
+                </a:lnTo>
+                <a:lnTo>
+                  <a:pt x="4" y="1692"/>
+                </a:lnTo>
+                <a:lnTo>
+                  <a:pt x="14" y="1580"/>
+                </a:lnTo>
+                <a:lnTo>
+                  <a:pt x="32" y="1469"/>
+                </a:lnTo>
+                <a:lnTo>
+                  <a:pt x="55" y="1362"/>
+                </a:lnTo>
+                <a:lnTo>
+                  <a:pt x="85" y="1256"/>
+                </a:lnTo>
+                <a:lnTo>
+                  <a:pt x="121" y="1154"/>
+                </a:lnTo>
+                <a:lnTo>
+                  <a:pt x="163" y="1054"/>
+                </a:lnTo>
+                <a:lnTo>
+                  <a:pt x="211" y="958"/>
+                </a:lnTo>
+                <a:lnTo>
+                  <a:pt x="265" y="864"/>
+                </a:lnTo>
+                <a:lnTo>
+                  <a:pt x="323" y="774"/>
+                </a:lnTo>
+                <a:lnTo>
+                  <a:pt x="386" y="689"/>
+                </a:lnTo>
+                <a:lnTo>
+                  <a:pt x="454" y="607"/>
+                </a:lnTo>
+                <a:lnTo>
+                  <a:pt x="527" y="529"/>
+                </a:lnTo>
+                <a:lnTo>
+                  <a:pt x="604" y="456"/>
+                </a:lnTo>
+                <a:lnTo>
+                  <a:pt x="686" y="388"/>
+                </a:lnTo>
+                <a:lnTo>
+                  <a:pt x="771" y="325"/>
+                </a:lnTo>
+                <a:lnTo>
+                  <a:pt x="860" y="266"/>
+                </a:lnTo>
+                <a:lnTo>
+                  <a:pt x="953" y="212"/>
+                </a:lnTo>
+                <a:lnTo>
+                  <a:pt x="1050" y="164"/>
+                </a:lnTo>
+                <a:lnTo>
+                  <a:pt x="1150" y="122"/>
+                </a:lnTo>
+                <a:lnTo>
+                  <a:pt x="1251" y="85"/>
+                </a:lnTo>
+                <a:lnTo>
+                  <a:pt x="1357" y="55"/>
+                </a:lnTo>
+                <a:lnTo>
+                  <a:pt x="1464" y="32"/>
+                </a:lnTo>
+                <a:lnTo>
+                  <a:pt x="1574" y="14"/>
+                </a:lnTo>
+                <a:lnTo>
+                  <a:pt x="1686" y="5"/>
+                </a:lnTo>
+                <a:lnTo>
+                  <a:pt x="1799" y="0"/>
+                </a:lnTo>
+                <a:close/>
+              </a:path>
+            </a:pathLst>
+          </a:custGeom>
+          <a:solidFill>
+            <a:schemeClr val="tx1">
+              <a:lumMod val="85000"/>
+              <a:lumOff val="15000"/>
+            </a:schemeClr>
+          </a:solidFill>
+          <a:ln w="0">
+            <a:noFill/>
+            <a:prstDash val="solid"/>
+            <a:round/>
+            <a:headEnd/>
+            <a:tailEnd/>
+          </a:ln>
+        </p:spPr>
+      </p:sp>
+      <p:sp>
+        <p:nvSpPr>
+          <p:cNvPr id="2" name="Title Placeholder 1"/>
           <p:cNvSpPr>
             <a:spLocks noGrp="1"/>
           </p:cNvSpPr>
@@ -2780,15 +3629,15 @@
         </p:nvSpPr>
         <p:spPr>
           <a:xfrm>
-            <a:off x="838200" y="365125"/>
-            <a:ext cx="10515600" cy="1325563"/>
+            <a:off x="762000" y="559678"/>
+            <a:ext cx="3833906" cy="4952492"/>
           </a:xfrm>
           <a:prstGeom prst="rect">
             <a:avLst/>
           </a:prstGeom>
         </p:spPr>
         <p:txBody>
-          <a:bodyPr vert="horz" lIns="91440" tIns="45720" rIns="91440" bIns="45720" rtlCol="0" anchor="ctr">
+          <a:bodyPr vert="horz" lIns="91440" tIns="45720" rIns="91440" bIns="45720" rtlCol="0" anchor="t">
             <a:normAutofit/>
           </a:bodyPr>
           <a:lstStyle/>
@@ -2797,18 +3646,13 @@
               <a:rPr lang="en-US"/>
               <a:t>Click to edit Master title style</a:t>
             </a:r>
-          </a:p>
-        </p:txBody>
-      </p:sp>
-      <p:sp>
-        <p:nvSpPr>
-          <p:cNvPr id="3" name="Text Placeholder 2">
-            <a:extLst>
-              <a:ext uri="{FF2B5EF4-FFF2-40B4-BE49-F238E27FC236}">
-                <a16:creationId xmlns:a16="http://schemas.microsoft.com/office/drawing/2014/main" id="{A6870CC2-31C4-4BFD-9A5C-7F6C36798F0A}"/>
-              </a:ext>
-            </a:extLst>
-          </p:cNvPr>
+            <a:endParaRPr lang="en-US" dirty="0"/>
+          </a:p>
+        </p:txBody>
+      </p:sp>
+      <p:sp>
+        <p:nvSpPr>
+          <p:cNvPr id="3" name="Text Placeholder 2"/>
           <p:cNvSpPr>
             <a:spLocks noGrp="1"/>
           </p:cNvSpPr>
@@ -2818,8 +3662,8 @@
         </p:nvSpPr>
         <p:spPr>
           <a:xfrm>
-            <a:off x="838200" y="1825625"/>
-            <a:ext cx="10515600" cy="4351338"/>
+            <a:off x="5181600" y="569066"/>
+            <a:ext cx="6248398" cy="5655156"/>
           </a:xfrm>
           <a:prstGeom prst="rect">
             <a:avLst/>
@@ -2834,7 +3678,7 @@
             <a:pPr lvl="0"/>
             <a:r>
               <a:rPr lang="en-US"/>
-              <a:t>Edit Master text styles</a:t>
+              <a:t>Click to edit Master text styles</a:t>
             </a:r>
           </a:p>
           <a:p>
@@ -2864,18 +3708,13 @@
               <a:rPr lang="en-US"/>
               <a:t>Fifth level</a:t>
             </a:r>
-          </a:p>
-        </p:txBody>
-      </p:sp>
-      <p:sp>
-        <p:nvSpPr>
-          <p:cNvPr id="4" name="Date Placeholder 3">
-            <a:extLst>
-              <a:ext uri="{FF2B5EF4-FFF2-40B4-BE49-F238E27FC236}">
-                <a16:creationId xmlns:a16="http://schemas.microsoft.com/office/drawing/2014/main" id="{F9509A21-B82C-4DF1-B3A7-10A9013A5833}"/>
-              </a:ext>
-            </a:extLst>
-          </p:cNvPr>
+            <a:endParaRPr lang="en-US" dirty="0"/>
+          </a:p>
+        </p:txBody>
+      </p:sp>
+      <p:sp>
+        <p:nvSpPr>
+          <p:cNvPr id="4" name="Date Placeholder 3"/>
           <p:cNvSpPr>
             <a:spLocks noGrp="1"/>
           </p:cNvSpPr>
@@ -2885,44 +3724,40 @@
         </p:nvSpPr>
         <p:spPr>
           <a:xfrm>
-            <a:off x="838200" y="6356350"/>
-            <a:ext cx="2743200" cy="365125"/>
+            <a:off x="762001" y="5930060"/>
+            <a:ext cx="3814856" cy="365125"/>
           </a:xfrm>
           <a:prstGeom prst="rect">
             <a:avLst/>
           </a:prstGeom>
         </p:spPr>
         <p:txBody>
-          <a:bodyPr vert="horz" lIns="91440" tIns="45720" rIns="91440" bIns="45720" rtlCol="0" anchor="ctr"/>
+          <a:bodyPr vert="horz" lIns="91440" tIns="45720" rIns="91440" bIns="45720" rtlCol="0" anchor="t"/>
           <a:lstStyle>
-            <a:lvl1pPr algn="l">
-              <a:defRPr sz="1200">
+            <a:lvl1pPr algn="r">
+              <a:defRPr sz="1000" b="0" i="1" baseline="0">
                 <a:solidFill>
                   <a:schemeClr val="tx1">
-                    <a:tint val="75000"/>
+                    <a:lumMod val="85000"/>
+                    <a:lumOff val="15000"/>
                   </a:schemeClr>
                 </a:solidFill>
+                <a:latin typeface="+mj-lt"/>
               </a:defRPr>
             </a:lvl1pPr>
           </a:lstStyle>
           <a:p>
-            <a:fld id="{CEFD685A-346E-4025-8F0C-FF1A4F1C8B8B}" type="datetimeFigureOut">
+            <a:fld id="{4AAD347D-5ACD-4C99-B74B-A9C85AD731AF}" type="datetimeFigureOut">
               <a:rPr lang="en-US" smtClean="0"/>
-              <a:t>7/18/2018</a:t>
+              <a:t>7/19/2018</a:t>
             </a:fld>
-            <a:endParaRPr lang="en-US"/>
-          </a:p>
-        </p:txBody>
-      </p:sp>
-      <p:sp>
-        <p:nvSpPr>
-          <p:cNvPr id="5" name="Footer Placeholder 4">
-            <a:extLst>
-              <a:ext uri="{FF2B5EF4-FFF2-40B4-BE49-F238E27FC236}">
-                <a16:creationId xmlns:a16="http://schemas.microsoft.com/office/drawing/2014/main" id="{88629F4E-DFEC-4D67-8908-A11D5697F853}"/>
-              </a:ext>
-            </a:extLst>
-          </p:cNvPr>
+            <a:endParaRPr lang="en-US" dirty="0"/>
+          </a:p>
+        </p:txBody>
+      </p:sp>
+      <p:sp>
+        <p:nvSpPr>
+          <p:cNvPr id="5" name="Footer Placeholder 4"/>
           <p:cNvSpPr>
             <a:spLocks noGrp="1"/>
           </p:cNvSpPr>
@@ -2932,40 +3767,36 @@
         </p:nvSpPr>
         <p:spPr>
           <a:xfrm>
-            <a:off x="4038600" y="6356350"/>
-            <a:ext cx="4114800" cy="365125"/>
+            <a:off x="762001" y="6314440"/>
+            <a:ext cx="3814856" cy="365125"/>
           </a:xfrm>
           <a:prstGeom prst="rect">
             <a:avLst/>
           </a:prstGeom>
         </p:spPr>
         <p:txBody>
-          <a:bodyPr vert="horz" lIns="91440" tIns="45720" rIns="91440" bIns="45720" rtlCol="0" anchor="ctr"/>
+          <a:bodyPr vert="horz" lIns="91440" tIns="45720" rIns="91440" bIns="45720" rtlCol="0" anchor="t"/>
           <a:lstStyle>
-            <a:lvl1pPr algn="ctr">
-              <a:defRPr sz="1200">
+            <a:lvl1pPr algn="r">
+              <a:defRPr sz="1200" b="1" i="1" baseline="0">
                 <a:solidFill>
                   <a:schemeClr val="tx1">
-                    <a:tint val="75000"/>
+                    <a:lumMod val="85000"/>
+                    <a:lumOff val="15000"/>
                   </a:schemeClr>
                 </a:solidFill>
+                <a:latin typeface="+mj-lt"/>
               </a:defRPr>
             </a:lvl1pPr>
           </a:lstStyle>
           <a:p>
-            <a:endParaRPr lang="en-US"/>
-          </a:p>
-        </p:txBody>
-      </p:sp>
-      <p:sp>
-        <p:nvSpPr>
-          <p:cNvPr id="6" name="Slide Number Placeholder 5">
-            <a:extLst>
-              <a:ext uri="{FF2B5EF4-FFF2-40B4-BE49-F238E27FC236}">
-                <a16:creationId xmlns:a16="http://schemas.microsoft.com/office/drawing/2014/main" id="{1E317F6B-E165-486C-AA31-307373E28CCF}"/>
-              </a:ext>
-            </a:extLst>
-          </p:cNvPr>
+            <a:endParaRPr lang="en-US" dirty="0"/>
+          </a:p>
+        </p:txBody>
+      </p:sp>
+      <p:sp>
+        <p:nvSpPr>
+          <p:cNvPr id="6" name="Slide Number Placeholder 5"/>
           <p:cNvSpPr>
             <a:spLocks noGrp="1"/>
           </p:cNvSpPr>
@@ -2975,8 +3806,8 @@
         </p:nvSpPr>
         <p:spPr>
           <a:xfrm>
-            <a:off x="8610600" y="6356350"/>
-            <a:ext cx="2743200" cy="365125"/>
+            <a:off x="11784011" y="5607592"/>
+            <a:ext cx="407988" cy="365125"/>
           </a:xfrm>
           <a:prstGeom prst="rect">
             <a:avLst/>
@@ -2986,12 +3817,11 @@
           <a:bodyPr vert="horz" lIns="91440" tIns="45720" rIns="91440" bIns="45720" rtlCol="0" anchor="ctr"/>
           <a:lstStyle>
             <a:lvl1pPr algn="r">
-              <a:defRPr sz="1200">
+              <a:defRPr sz="1200" b="0" i="1" baseline="0">
                 <a:solidFill>
-                  <a:schemeClr val="tx1">
-                    <a:tint val="75000"/>
-                  </a:schemeClr>
+                  <a:schemeClr val="bg2"/>
                 </a:solidFill>
+                <a:latin typeface="+mj-lt"/>
               </a:defRPr>
             </a:lvl1pPr>
           </a:lstStyle>
@@ -3004,30 +3834,68 @@
           </a:p>
         </p:txBody>
       </p:sp>
+      <p:cxnSp>
+        <p:nvCxnSpPr>
+          <p:cNvPr id="10" name="Straight Connector 9" title="Horizontal Rule Line"/>
+          <p:cNvCxnSpPr/>
+          <p:nvPr/>
+        </p:nvCxnSpPr>
+        <p:spPr>
+          <a:xfrm>
+            <a:off x="0" y="6199730"/>
+            <a:ext cx="4495800" cy="0"/>
+          </a:xfrm>
+          <a:prstGeom prst="line">
+            <a:avLst/>
+          </a:prstGeom>
+          <a:ln w="25400">
+            <a:solidFill>
+              <a:schemeClr val="tx1">
+                <a:lumMod val="85000"/>
+                <a:lumOff val="15000"/>
+              </a:schemeClr>
+            </a:solidFill>
+          </a:ln>
+        </p:spPr>
+        <p:style>
+          <a:lnRef idx="1">
+            <a:schemeClr val="accent1"/>
+          </a:lnRef>
+          <a:fillRef idx="0">
+            <a:schemeClr val="accent1"/>
+          </a:fillRef>
+          <a:effectRef idx="0">
+            <a:schemeClr val="accent1"/>
+          </a:effectRef>
+          <a:fontRef idx="minor">
+            <a:schemeClr val="tx1"/>
+          </a:fontRef>
+        </p:style>
+      </p:cxnSp>
     </p:spTree>
     <p:extLst>
       <p:ext uri="{BB962C8B-B14F-4D97-AF65-F5344CB8AC3E}">
-        <p14:creationId xmlns:p14="http://schemas.microsoft.com/office/powerpoint/2010/main" val="1666289985"/>
+        <p14:creationId xmlns:p14="http://schemas.microsoft.com/office/powerpoint/2010/main" val="1991703025"/>
       </p:ext>
     </p:extLst>
   </p:cSld>
   <p:clrMap bg1="lt1" tx1="dk1" bg2="lt2" tx2="dk2" accent1="accent1" accent2="accent2" accent3="accent3" accent4="accent4" accent5="accent5" accent6="accent6" hlink="hlink" folHlink="folHlink"/>
   <p:sldLayoutIdLst>
-    <p:sldLayoutId id="2147483649" r:id="rId1"/>
-    <p:sldLayoutId id="2147483650" r:id="rId2"/>
-    <p:sldLayoutId id="2147483651" r:id="rId3"/>
-    <p:sldLayoutId id="2147483652" r:id="rId4"/>
-    <p:sldLayoutId id="2147483653" r:id="rId5"/>
-    <p:sldLayoutId id="2147483654" r:id="rId6"/>
-    <p:sldLayoutId id="2147483655" r:id="rId7"/>
-    <p:sldLayoutId id="2147483656" r:id="rId8"/>
-    <p:sldLayoutId id="2147483657" r:id="rId9"/>
-    <p:sldLayoutId id="2147483658" r:id="rId10"/>
-    <p:sldLayoutId id="2147483659" r:id="rId11"/>
+    <p:sldLayoutId id="2147483853" r:id="rId1"/>
+    <p:sldLayoutId id="2147483854" r:id="rId2"/>
+    <p:sldLayoutId id="2147483855" r:id="rId3"/>
+    <p:sldLayoutId id="2147483856" r:id="rId4"/>
+    <p:sldLayoutId id="2147483857" r:id="rId5"/>
+    <p:sldLayoutId id="2147483858" r:id="rId6"/>
+    <p:sldLayoutId id="2147483859" r:id="rId7"/>
+    <p:sldLayoutId id="2147483860" r:id="rId8"/>
+    <p:sldLayoutId id="2147483861" r:id="rId9"/>
+    <p:sldLayoutId id="2147483862" r:id="rId10"/>
+    <p:sldLayoutId id="2147483863" r:id="rId11"/>
   </p:sldLayoutIdLst>
   <p:txStyles>
     <p:titleStyle>
-      <a:lvl1pPr algn="l" defTabSz="914400" rtl="0" eaLnBrk="1" latinLnBrk="0" hangingPunct="1">
+      <a:lvl1pPr algn="r" defTabSz="914400" rtl="0" eaLnBrk="1" latinLnBrk="0" hangingPunct="1">
         <a:lnSpc>
           <a:spcPct val="90000"/>
         </a:lnSpc>
@@ -3035,9 +3903,12 @@
           <a:spcPct val="0"/>
         </a:spcBef>
         <a:buNone/>
-        <a:defRPr sz="4400" kern="1200">
+        <a:defRPr sz="5000" b="0" i="1" kern="1200" baseline="0">
           <a:solidFill>
-            <a:schemeClr val="tx1"/>
+            <a:schemeClr val="tx1">
+              <a:lumMod val="85000"/>
+              <a:lumOff val="15000"/>
+            </a:schemeClr>
           </a:solidFill>
           <a:latin typeface="+mj-lt"/>
           <a:ea typeface="+mj-ea"/>
@@ -3046,162 +3917,189 @@
       </a:lvl1pPr>
     </p:titleStyle>
     <p:bodyStyle>
-      <a:lvl1pPr marL="228600" indent="-228600" algn="l" defTabSz="914400" rtl="0" eaLnBrk="1" latinLnBrk="0" hangingPunct="1">
+      <a:lvl1pPr marL="283464" indent="-283464" algn="l" defTabSz="914400" rtl="0" eaLnBrk="1" latinLnBrk="0" hangingPunct="1">
         <a:lnSpc>
-          <a:spcPct val="90000"/>
+          <a:spcPct val="112000"/>
         </a:lnSpc>
         <a:spcBef>
-          <a:spcPts val="1000"/>
+          <a:spcPts val="900"/>
         </a:spcBef>
         <a:buFont typeface="Arial" panose="020B0604020202020204" pitchFamily="34" charset="0"/>
         <a:buChar char="•"/>
-        <a:defRPr sz="2800" kern="1200">
+        <a:defRPr sz="2000" kern="1200" baseline="0">
           <a:solidFill>
-            <a:schemeClr val="tx1"/>
+            <a:schemeClr val="tx1">
+              <a:lumMod val="85000"/>
+              <a:lumOff val="15000"/>
+            </a:schemeClr>
           </a:solidFill>
           <a:latin typeface="+mn-lt"/>
           <a:ea typeface="+mn-ea"/>
           <a:cs typeface="+mn-cs"/>
         </a:defRPr>
       </a:lvl1pPr>
-      <a:lvl2pPr marL="685800" indent="-228600" algn="l" defTabSz="914400" rtl="0" eaLnBrk="1" latinLnBrk="0" hangingPunct="1">
+      <a:lvl2pPr marL="685800" indent="-283464" algn="l" defTabSz="914400" rtl="0" eaLnBrk="1" latinLnBrk="0" hangingPunct="1">
         <a:lnSpc>
-          <a:spcPct val="90000"/>
+          <a:spcPct val="112000"/>
         </a:lnSpc>
         <a:spcBef>
-          <a:spcPts val="500"/>
+          <a:spcPts val="900"/>
         </a:spcBef>
-        <a:buFont typeface="Arial" panose="020B0604020202020204" pitchFamily="34" charset="0"/>
-        <a:buChar char="•"/>
-        <a:defRPr sz="2400" kern="1200">
+        <a:buFont typeface="Corbel" panose="020B0503020204020204" pitchFamily="34" charset="0"/>
+        <a:buChar char="–"/>
+        <a:defRPr sz="1800" kern="1200" baseline="0">
           <a:solidFill>
-            <a:schemeClr val="tx1"/>
+            <a:schemeClr val="tx1">
+              <a:lumMod val="85000"/>
+              <a:lumOff val="15000"/>
+            </a:schemeClr>
           </a:solidFill>
           <a:latin typeface="+mn-lt"/>
           <a:ea typeface="+mn-ea"/>
           <a:cs typeface="+mn-cs"/>
         </a:defRPr>
       </a:lvl2pPr>
-      <a:lvl3pPr marL="1143000" indent="-228600" algn="l" defTabSz="914400" rtl="0" eaLnBrk="1" latinLnBrk="0" hangingPunct="1">
+      <a:lvl3pPr marL="1143000" indent="-283464" algn="l" defTabSz="914400" rtl="0" eaLnBrk="1" latinLnBrk="0" hangingPunct="1">
         <a:lnSpc>
-          <a:spcPct val="90000"/>
+          <a:spcPct val="112000"/>
         </a:lnSpc>
         <a:spcBef>
-          <a:spcPts val="500"/>
+          <a:spcPts val="900"/>
         </a:spcBef>
         <a:buFont typeface="Arial" panose="020B0604020202020204" pitchFamily="34" charset="0"/>
         <a:buChar char="•"/>
-        <a:defRPr sz="2000" kern="1200">
+        <a:defRPr sz="1600" kern="1200" baseline="0">
           <a:solidFill>
-            <a:schemeClr val="tx1"/>
+            <a:schemeClr val="tx1">
+              <a:lumMod val="85000"/>
+              <a:lumOff val="15000"/>
+            </a:schemeClr>
           </a:solidFill>
           <a:latin typeface="+mn-lt"/>
           <a:ea typeface="+mn-ea"/>
           <a:cs typeface="+mn-cs"/>
         </a:defRPr>
       </a:lvl3pPr>
-      <a:lvl4pPr marL="1600200" indent="-228600" algn="l" defTabSz="914400" rtl="0" eaLnBrk="1" latinLnBrk="0" hangingPunct="1">
+      <a:lvl4pPr marL="1600200" indent="-283464" algn="l" defTabSz="914400" rtl="0" eaLnBrk="1" latinLnBrk="0" hangingPunct="1">
         <a:lnSpc>
-          <a:spcPct val="90000"/>
+          <a:spcPct val="112000"/>
         </a:lnSpc>
         <a:spcBef>
-          <a:spcPts val="500"/>
+          <a:spcPts val="900"/>
         </a:spcBef>
-        <a:buFont typeface="Arial" panose="020B0604020202020204" pitchFamily="34" charset="0"/>
-        <a:buChar char="•"/>
-        <a:defRPr sz="1800" kern="1200">
+        <a:buFont typeface="Corbel" panose="020B0503020204020204" pitchFamily="34" charset="0"/>
+        <a:buChar char="–"/>
+        <a:defRPr sz="1400" kern="1200" baseline="0">
           <a:solidFill>
-            <a:schemeClr val="tx1"/>
+            <a:schemeClr val="tx1">
+              <a:lumMod val="85000"/>
+              <a:lumOff val="15000"/>
+            </a:schemeClr>
           </a:solidFill>
           <a:latin typeface="+mn-lt"/>
           <a:ea typeface="+mn-ea"/>
           <a:cs typeface="+mn-cs"/>
         </a:defRPr>
       </a:lvl4pPr>
-      <a:lvl5pPr marL="2057400" indent="-228600" algn="l" defTabSz="914400" rtl="0" eaLnBrk="1" latinLnBrk="0" hangingPunct="1">
+      <a:lvl5pPr marL="2057400" indent="-283464" algn="l" defTabSz="914400" rtl="0" eaLnBrk="1" latinLnBrk="0" hangingPunct="1">
         <a:lnSpc>
-          <a:spcPct val="90000"/>
+          <a:spcPct val="112000"/>
         </a:lnSpc>
         <a:spcBef>
-          <a:spcPts val="500"/>
+          <a:spcPts val="900"/>
         </a:spcBef>
         <a:buFont typeface="Arial" panose="020B0604020202020204" pitchFamily="34" charset="0"/>
         <a:buChar char="•"/>
-        <a:defRPr sz="1800" kern="1200">
+        <a:defRPr sz="1400" i="1" kern="1200" baseline="0">
           <a:solidFill>
-            <a:schemeClr val="tx1"/>
+            <a:schemeClr val="tx1">
+              <a:lumMod val="85000"/>
+              <a:lumOff val="15000"/>
+            </a:schemeClr>
           </a:solidFill>
           <a:latin typeface="+mn-lt"/>
           <a:ea typeface="+mn-ea"/>
           <a:cs typeface="+mn-cs"/>
         </a:defRPr>
       </a:lvl5pPr>
-      <a:lvl6pPr marL="2514600" indent="-228600" algn="l" defTabSz="914400" rtl="0" eaLnBrk="1" latinLnBrk="0" hangingPunct="1">
+      <a:lvl6pPr marL="2514600" indent="-283464" algn="l" defTabSz="914400" rtl="0" eaLnBrk="1" latinLnBrk="0" hangingPunct="1">
         <a:lnSpc>
-          <a:spcPct val="90000"/>
+          <a:spcPct val="112000"/>
         </a:lnSpc>
         <a:spcBef>
-          <a:spcPts val="500"/>
+          <a:spcPts val="1300"/>
         </a:spcBef>
-        <a:buFont typeface="Arial" panose="020B0604020202020204" pitchFamily="34" charset="0"/>
-        <a:buChar char="•"/>
-        <a:defRPr sz="1800" kern="1200">
+        <a:buFont typeface="Corbel" panose="020B0503020204020204" pitchFamily="34" charset="0"/>
+        <a:buChar char="–"/>
+        <a:defRPr sz="1400" kern="1200">
           <a:solidFill>
-            <a:schemeClr val="tx1"/>
+            <a:schemeClr val="tx1">
+              <a:lumMod val="85000"/>
+              <a:lumOff val="15000"/>
+            </a:schemeClr>
           </a:solidFill>
           <a:latin typeface="+mn-lt"/>
           <a:ea typeface="+mn-ea"/>
           <a:cs typeface="+mn-cs"/>
         </a:defRPr>
       </a:lvl6pPr>
-      <a:lvl7pPr marL="2971800" indent="-228600" algn="l" defTabSz="914400" rtl="0" eaLnBrk="1" latinLnBrk="0" hangingPunct="1">
+      <a:lvl7pPr marL="2971800" indent="-283464" algn="l" defTabSz="914400" rtl="0" eaLnBrk="1" latinLnBrk="0" hangingPunct="1">
         <a:lnSpc>
-          <a:spcPct val="90000"/>
+          <a:spcPct val="112000"/>
         </a:lnSpc>
         <a:spcBef>
-          <a:spcPts val="500"/>
+          <a:spcPts val="1300"/>
         </a:spcBef>
         <a:buFont typeface="Arial" panose="020B0604020202020204" pitchFamily="34" charset="0"/>
         <a:buChar char="•"/>
-        <a:defRPr sz="1800" kern="1200">
+        <a:defRPr sz="1400" i="1" kern="1200">
           <a:solidFill>
-            <a:schemeClr val="tx1"/>
+            <a:schemeClr val="tx1">
+              <a:lumMod val="85000"/>
+              <a:lumOff val="15000"/>
+            </a:schemeClr>
           </a:solidFill>
           <a:latin typeface="+mn-lt"/>
           <a:ea typeface="+mn-ea"/>
           <a:cs typeface="+mn-cs"/>
         </a:defRPr>
       </a:lvl7pPr>
-      <a:lvl8pPr marL="3429000" indent="-228600" algn="l" defTabSz="914400" rtl="0" eaLnBrk="1" latinLnBrk="0" hangingPunct="1">
+      <a:lvl8pPr marL="3429000" indent="-283464" algn="l" defTabSz="914400" rtl="0" eaLnBrk="1" latinLnBrk="0" hangingPunct="1">
         <a:lnSpc>
-          <a:spcPct val="90000"/>
+          <a:spcPct val="112000"/>
         </a:lnSpc>
         <a:spcBef>
-          <a:spcPts val="500"/>
+          <a:spcPts val="1300"/>
         </a:spcBef>
-        <a:buFont typeface="Arial" panose="020B0604020202020204" pitchFamily="34" charset="0"/>
-        <a:buChar char="•"/>
-        <a:defRPr sz="1800" kern="1200">
+        <a:buFont typeface="Corbel" panose="020B0503020204020204" pitchFamily="34" charset="0"/>
+        <a:buChar char="–"/>
+        <a:defRPr sz="1400" kern="1200">
           <a:solidFill>
-            <a:schemeClr val="tx1"/>
+            <a:schemeClr val="tx1">
+              <a:lumMod val="85000"/>
+              <a:lumOff val="15000"/>
+            </a:schemeClr>
           </a:solidFill>
           <a:latin typeface="+mn-lt"/>
           <a:ea typeface="+mn-ea"/>
           <a:cs typeface="+mn-cs"/>
         </a:defRPr>
       </a:lvl8pPr>
-      <a:lvl9pPr marL="3886200" indent="-228600" algn="l" defTabSz="914400" rtl="0" eaLnBrk="1" latinLnBrk="0" hangingPunct="1">
+      <a:lvl9pPr marL="3886200" indent="-283464" algn="l" defTabSz="914400" rtl="0" eaLnBrk="1" latinLnBrk="0" hangingPunct="1">
         <a:lnSpc>
-          <a:spcPct val="90000"/>
+          <a:spcPct val="112000"/>
         </a:lnSpc>
         <a:spcBef>
-          <a:spcPts val="500"/>
+          <a:spcPts val="1300"/>
         </a:spcBef>
         <a:buFont typeface="Arial" panose="020B0604020202020204" pitchFamily="34" charset="0"/>
         <a:buChar char="•"/>
-        <a:defRPr sz="1800" kern="1200">
+        <a:defRPr sz="1400" i="1" kern="1200" baseline="0">
           <a:solidFill>
-            <a:schemeClr val="tx1"/>
+            <a:schemeClr val="tx1">
+              <a:lumMod val="85000"/>
+              <a:lumOff val="15000"/>
+            </a:schemeClr>
           </a:solidFill>
           <a:latin typeface="+mn-lt"/>
           <a:ea typeface="+mn-ea"/>
@@ -3305,6 +4203,37 @@
       </a:lvl9pPr>
     </p:otherStyle>
   </p:txStyles>
+  <p:extLst mod="1">
+    <p:ext uri="{27BBF7A9-308A-43DC-89C8-2F10F3537804}">
+      <p15:sldGuideLst xmlns:p15="http://schemas.microsoft.com/office/powerpoint/2012/main">
+        <p15:guide id="1" pos="2832">
+          <p15:clr>
+            <a:srgbClr val="F26B43"/>
+          </p15:clr>
+        </p15:guide>
+        <p15:guide id="2" pos="480">
+          <p15:clr>
+            <a:srgbClr val="F26B43"/>
+          </p15:clr>
+        </p15:guide>
+        <p15:guide id="3" orient="horz" pos="432">
+          <p15:clr>
+            <a:srgbClr val="F26B43"/>
+          </p15:clr>
+        </p15:guide>
+        <p15:guide id="4" pos="7200">
+          <p15:clr>
+            <a:srgbClr val="F26B43"/>
+          </p15:clr>
+        </p15:guide>
+        <p15:guide id="5" pos="3264">
+          <p15:clr>
+            <a:srgbClr val="F26B43"/>
+          </p15:clr>
+        </p15:guide>
+      </p15:sldGuideLst>
+    </p:ext>
+  </p:extLst>
 </p:sldMaster>
 </file>
 
@@ -3341,13 +4270,20 @@
             <p:ph type="ctrTitle"/>
           </p:nvPr>
         </p:nvSpPr>
-        <p:spPr/>
-        <p:txBody>
-          <a:bodyPr/>
+        <p:spPr>
+          <a:xfrm>
+            <a:off x="1088913" y="3270674"/>
+            <a:ext cx="7034362" cy="1599907"/>
+          </a:xfrm>
+        </p:spPr>
+        <p:txBody>
+          <a:bodyPr>
+            <a:normAutofit/>
+          </a:bodyPr>
           <a:lstStyle/>
           <a:p>
             <a:r>
-              <a:rPr lang="en-US" dirty="0"/>
+              <a:rPr lang="en-US" sz="5400" dirty="0"/>
               <a:t>Event Report Classification</a:t>
             </a:r>
           </a:p>
@@ -3462,27 +4398,29 @@
           </a:xfrm>
         </p:spPr>
         <p:txBody>
-          <a:bodyPr/>
+          <a:bodyPr>
+            <a:normAutofit fontScale="92500" lnSpcReduction="10000"/>
+          </a:bodyPr>
           <a:lstStyle/>
           <a:p>
             <a:r>
-              <a:rPr lang="en-US" dirty="0"/>
+              <a:rPr lang="en-US" sz="2800" dirty="0"/>
               <a:t>Submitted event reports are manually classified into ~16 categories to send to reviewers</a:t>
             </a:r>
           </a:p>
           <a:p>
             <a:r>
-              <a:rPr lang="en-US" b="1" u="sng" dirty="0"/>
+              <a:rPr lang="en-US" sz="2800" b="1" u="sng" dirty="0"/>
               <a:t>Objective</a:t>
             </a:r>
             <a:r>
-              <a:rPr lang="en-US" dirty="0"/>
+              <a:rPr lang="en-US" sz="2800" dirty="0"/>
               <a:t> is to build a model to classify documents into these categories to ensure they are reviewed by appropriate individuals</a:t>
             </a:r>
           </a:p>
           <a:p>
             <a:r>
-              <a:rPr lang="en-US" dirty="0"/>
+              <a:rPr lang="en-US" sz="2800" dirty="0"/>
               <a:t>Obtaining the documents (pdfs) and extracting the text was the most time-consuming task</a:t>
             </a:r>
           </a:p>
@@ -3570,9 +4508,16 @@
             <p:ph type="title"/>
           </p:nvPr>
         </p:nvSpPr>
-        <p:spPr/>
-        <p:txBody>
-          <a:bodyPr/>
+        <p:spPr>
+          <a:xfrm>
+            <a:off x="4828073" y="360784"/>
+            <a:ext cx="6652726" cy="685800"/>
+          </a:xfrm>
+        </p:spPr>
+        <p:txBody>
+          <a:bodyPr>
+            <a:normAutofit fontScale="90000"/>
+          </a:bodyPr>
           <a:lstStyle/>
           <a:p>
             <a:r>
@@ -3598,12 +4543,105 @@
             <p:ph idx="1"/>
           </p:nvPr>
         </p:nvSpPr>
-        <p:spPr/>
-        <p:txBody>
-          <a:bodyPr/>
+        <p:spPr>
+          <a:xfrm>
+            <a:off x="711199" y="1202084"/>
+            <a:ext cx="10769600" cy="5180045"/>
+          </a:xfrm>
+        </p:spPr>
+        <p:txBody>
+          <a:bodyPr>
+            <a:normAutofit fontScale="92500" lnSpcReduction="20000"/>
+          </a:bodyPr>
           <a:lstStyle/>
           <a:p>
-            <a:endParaRPr lang="en-US"/>
+            <a:r>
+              <a:rPr lang="en-US" sz="2800" dirty="0"/>
+              <a:t>This is a multilabel problem, but I considered each class a binary classification problem (although there are imbalanced classes)</a:t>
+            </a:r>
+          </a:p>
+          <a:p>
+            <a:r>
+              <a:rPr lang="en-US" sz="2800" dirty="0"/>
+              <a:t>Build pipelines with:</a:t>
+            </a:r>
+          </a:p>
+          <a:p>
+            <a:pPr lvl="1"/>
+            <a:r>
+              <a:rPr lang="en-US" sz="2400" dirty="0" err="1"/>
+              <a:t>Tf-Idf</a:t>
+            </a:r>
+            <a:r>
+              <a:rPr lang="en-US" sz="2400" dirty="0"/>
+              <a:t> tuned for stop words (None, </a:t>
+            </a:r>
+            <a:r>
+              <a:rPr lang="en-US" sz="2400" dirty="0" err="1"/>
+              <a:t>english</a:t>
+            </a:r>
+            <a:r>
+              <a:rPr lang="en-US" sz="2400" dirty="0"/>
+              <a:t>), norm (None, L1, L2), and n-gram range ((1, 1) – (1, 4))</a:t>
+            </a:r>
+          </a:p>
+          <a:p>
+            <a:pPr lvl="1"/>
+            <a:r>
+              <a:rPr lang="en-US" sz="2600" dirty="0"/>
+              <a:t>Support Vector Classifier with linear kernel</a:t>
+            </a:r>
+          </a:p>
+          <a:p>
+            <a:pPr lvl="2"/>
+            <a:r>
+              <a:rPr lang="en-US" sz="2200" dirty="0"/>
+              <a:t>Same as </a:t>
+            </a:r>
+            <a:r>
+              <a:rPr lang="en-US" sz="2200" dirty="0" err="1"/>
+              <a:t>LinearSVC</a:t>
+            </a:r>
+            <a:r>
+              <a:rPr lang="en-US" sz="2200" dirty="0"/>
+              <a:t> but with probabilities</a:t>
+            </a:r>
+          </a:p>
+          <a:p>
+            <a:pPr lvl="2"/>
+            <a:r>
+              <a:rPr lang="en-US" sz="2200" dirty="0"/>
+              <a:t>Tuned for penalty parameter (C) of the error term</a:t>
+            </a:r>
+          </a:p>
+          <a:p>
+            <a:pPr marL="859536" lvl="2" indent="0">
+              <a:buNone/>
+            </a:pPr>
+            <a:r>
+              <a:rPr lang="en-US" sz="3000" b="1" u="sng" dirty="0"/>
+              <a:t>OR</a:t>
+            </a:r>
+          </a:p>
+          <a:p>
+            <a:pPr lvl="1"/>
+            <a:r>
+              <a:rPr lang="en-US" sz="2600" dirty="0"/>
+              <a:t>Multinomial Naïve Bayes</a:t>
+            </a:r>
+          </a:p>
+          <a:p>
+            <a:pPr lvl="2"/>
+            <a:r>
+              <a:rPr lang="en-US" sz="2200" dirty="0"/>
+              <a:t>Tuned for smoothing parameter (alpha)</a:t>
+            </a:r>
+          </a:p>
+          <a:p>
+            <a:r>
+              <a:rPr lang="en-US" sz="2600" dirty="0"/>
+              <a:t>Added additional features (title, keyword presence) using feature union class</a:t>
+            </a:r>
           </a:p>
         </p:txBody>
       </p:sp>
@@ -3642,7 +4680,7 @@
           <p:cNvPr id="2" name="Title 1">
             <a:extLst>
               <a:ext uri="{FF2B5EF4-FFF2-40B4-BE49-F238E27FC236}">
-                <a16:creationId xmlns:a16="http://schemas.microsoft.com/office/drawing/2014/main" id="{EEFC4C4C-23F7-4F4F-842B-9160211035AB}"/>
+                <a16:creationId xmlns:a16="http://schemas.microsoft.com/office/drawing/2014/main" id="{276E1611-F570-41CC-BA09-019503456DC2}"/>
               </a:ext>
             </a:extLst>
           </p:cNvPr>
@@ -3653,9 +4691,16 @@
             <p:ph type="title"/>
           </p:nvPr>
         </p:nvSpPr>
-        <p:spPr/>
-        <p:txBody>
-          <a:bodyPr/>
+        <p:spPr>
+          <a:xfrm>
+            <a:off x="4828073" y="360784"/>
+            <a:ext cx="6751217" cy="685800"/>
+          </a:xfrm>
+        </p:spPr>
+        <p:txBody>
+          <a:bodyPr>
+            <a:normAutofit fontScale="90000"/>
+          </a:bodyPr>
           <a:lstStyle/>
           <a:p>
             <a:r>
@@ -3670,7 +4715,7 @@
           <p:cNvPr id="3" name="Content Placeholder 2">
             <a:extLst>
               <a:ext uri="{FF2B5EF4-FFF2-40B4-BE49-F238E27FC236}">
-                <a16:creationId xmlns:a16="http://schemas.microsoft.com/office/drawing/2014/main" id="{78F09BF1-0539-43B3-A03A-7587515DE5A9}"/>
+                <a16:creationId xmlns:a16="http://schemas.microsoft.com/office/drawing/2014/main" id="{09544AE8-FA6D-418C-A834-54DD97377140}"/>
               </a:ext>
             </a:extLst>
           </p:cNvPr>
@@ -3681,19 +4726,58 @@
             <p:ph idx="1"/>
           </p:nvPr>
         </p:nvSpPr>
-        <p:spPr/>
-        <p:txBody>
-          <a:bodyPr/>
+        <p:spPr>
+          <a:xfrm>
+            <a:off x="711199" y="1407366"/>
+            <a:ext cx="10769600" cy="5180045"/>
+          </a:xfrm>
+        </p:spPr>
+        <p:txBody>
+          <a:bodyPr>
+            <a:normAutofit/>
+          </a:bodyPr>
           <a:lstStyle/>
           <a:p>
-            <a:endParaRPr lang="en-US"/>
+            <a:r>
+              <a:rPr lang="en-US" sz="2800" dirty="0"/>
+              <a:t>Tuned hyper-parameters using area under the ROC curve (AUC)</a:t>
+            </a:r>
+          </a:p>
+          <a:p>
+            <a:endParaRPr lang="en-US" sz="2800" dirty="0"/>
+          </a:p>
+          <a:p>
+            <a:r>
+              <a:rPr lang="en-US" sz="2800" dirty="0"/>
+              <a:t>Inspected the confusion matrix for each model</a:t>
+            </a:r>
+            <a:endParaRPr lang="en-US" sz="2600" dirty="0"/>
+          </a:p>
+          <a:p>
+            <a:pPr marL="0" indent="0">
+              <a:buNone/>
+            </a:pPr>
+            <a:endParaRPr lang="en-US" sz="2800" dirty="0"/>
+          </a:p>
+          <a:p>
+            <a:r>
+              <a:rPr lang="en-US" sz="2800" dirty="0"/>
+              <a:t>Focused on balancing false negatives with false positives</a:t>
+            </a:r>
+          </a:p>
+          <a:p>
+            <a:pPr lvl="1"/>
+            <a:r>
+              <a:rPr lang="en-US" sz="2600" dirty="0"/>
+              <a:t>For business objective, prefer false positive to ensure nothing gets missed</a:t>
+            </a:r>
           </a:p>
         </p:txBody>
       </p:sp>
     </p:spTree>
     <p:extLst>
       <p:ext uri="{BB962C8B-B14F-4D97-AF65-F5344CB8AC3E}">
-        <p14:creationId xmlns:p14="http://schemas.microsoft.com/office/powerpoint/2010/main" val="804796569"/>
+        <p14:creationId xmlns:p14="http://schemas.microsoft.com/office/powerpoint/2010/main" val="2641039853"/>
       </p:ext>
     </p:extLst>
   </p:cSld>
@@ -3725,7 +4809,7 @@
           <p:cNvPr id="2" name="Title 1">
             <a:extLst>
               <a:ext uri="{FF2B5EF4-FFF2-40B4-BE49-F238E27FC236}">
-                <a16:creationId xmlns:a16="http://schemas.microsoft.com/office/drawing/2014/main" id="{BAD939B3-5FDC-49B4-8165-67C95D6765F9}"/>
+                <a16:creationId xmlns:a16="http://schemas.microsoft.com/office/drawing/2014/main" id="{276E1611-F570-41CC-BA09-019503456DC2}"/>
               </a:ext>
             </a:extLst>
           </p:cNvPr>
@@ -3736,14 +4820,157 @@
             <p:ph type="title"/>
           </p:nvPr>
         </p:nvSpPr>
-        <p:spPr/>
-        <p:txBody>
-          <a:bodyPr/>
+        <p:spPr>
+          <a:xfrm>
+            <a:off x="4828073" y="360784"/>
+            <a:ext cx="6751217" cy="685800"/>
+          </a:xfrm>
+        </p:spPr>
+        <p:txBody>
+          <a:bodyPr>
+            <a:normAutofit fontScale="90000"/>
+          </a:bodyPr>
           <a:lstStyle/>
           <a:p>
             <a:r>
               <a:rPr lang="en-US" dirty="0"/>
               <a:t>Results</a:t>
+            </a:r>
+          </a:p>
+        </p:txBody>
+      </p:sp>
+      <p:pic>
+        <p:nvPicPr>
+          <p:cNvPr id="5" name="Content Placeholder 4">
+            <a:extLst>
+              <a:ext uri="{FF2B5EF4-FFF2-40B4-BE49-F238E27FC236}">
+                <a16:creationId xmlns:a16="http://schemas.microsoft.com/office/drawing/2014/main" id="{9341CD8B-6CC1-4360-A72F-8320F89644D4}"/>
+              </a:ext>
+            </a:extLst>
+          </p:cNvPr>
+          <p:cNvPicPr>
+            <a:picLocks noGrp="1" noChangeAspect="1"/>
+          </p:cNvPicPr>
+          <p:nvPr>
+            <p:ph idx="1"/>
+          </p:nvPr>
+        </p:nvPicPr>
+        <p:blipFill>
+          <a:blip r:embed="rId2">
+            <a:extLst>
+              <a:ext uri="{28A0092B-C50C-407E-A947-70E740481C1C}">
+                <a14:useLocalDpi xmlns:a14="http://schemas.microsoft.com/office/drawing/2010/main" val="0"/>
+              </a:ext>
+            </a:extLst>
+          </a:blip>
+          <a:stretch>
+            <a:fillRect/>
+          </a:stretch>
+        </p:blipFill>
+        <p:spPr>
+          <a:xfrm>
+            <a:off x="7071988" y="2619379"/>
+            <a:ext cx="4507302" cy="1758948"/>
+          </a:xfrm>
+        </p:spPr>
+      </p:pic>
+      <p:pic>
+        <p:nvPicPr>
+          <p:cNvPr id="7" name="Picture 6">
+            <a:extLst>
+              <a:ext uri="{FF2B5EF4-FFF2-40B4-BE49-F238E27FC236}">
+                <a16:creationId xmlns:a16="http://schemas.microsoft.com/office/drawing/2014/main" id="{9EE85074-3081-435D-88BD-40A705807F63}"/>
+              </a:ext>
+            </a:extLst>
+          </p:cNvPr>
+          <p:cNvPicPr>
+            <a:picLocks noChangeAspect="1"/>
+          </p:cNvPicPr>
+          <p:nvPr/>
+        </p:nvPicPr>
+        <p:blipFill>
+          <a:blip r:embed="rId3">
+            <a:extLst>
+              <a:ext uri="{28A0092B-C50C-407E-A947-70E740481C1C}">
+                <a14:useLocalDpi xmlns:a14="http://schemas.microsoft.com/office/drawing/2010/main" val="0"/>
+              </a:ext>
+            </a:extLst>
+          </a:blip>
+          <a:stretch>
+            <a:fillRect/>
+          </a:stretch>
+        </p:blipFill>
+        <p:spPr>
+          <a:xfrm>
+            <a:off x="433282" y="1516471"/>
+            <a:ext cx="5662718" cy="3825058"/>
+          </a:xfrm>
+          <a:prstGeom prst="rect">
+            <a:avLst/>
+          </a:prstGeom>
+        </p:spPr>
+      </p:pic>
+    </p:spTree>
+    <p:extLst>
+      <p:ext uri="{BB962C8B-B14F-4D97-AF65-F5344CB8AC3E}">
+        <p14:creationId xmlns:p14="http://schemas.microsoft.com/office/powerpoint/2010/main" val="2812898246"/>
+      </p:ext>
+    </p:extLst>
+  </p:cSld>
+  <p:clrMapOvr>
+    <a:masterClrMapping/>
+  </p:clrMapOvr>
+</p:sld>
+</file>
+
+<file path=ppt/slides/slide6.xml><?xml version="1.0" encoding="utf-8"?>
+<p:sld xmlns:a="http://schemas.openxmlformats.org/drawingml/2006/main" xmlns:r="http://schemas.openxmlformats.org/officeDocument/2006/relationships" xmlns:p="http://schemas.openxmlformats.org/presentationml/2006/main">
+  <p:cSld>
+    <p:spTree>
+      <p:nvGrpSpPr>
+        <p:cNvPr id="1" name=""/>
+        <p:cNvGrpSpPr/>
+        <p:nvPr/>
+      </p:nvGrpSpPr>
+      <p:grpSpPr>
+        <a:xfrm>
+          <a:off x="0" y="0"/>
+          <a:ext cx="0" cy="0"/>
+          <a:chOff x="0" y="0"/>
+          <a:chExt cx="0" cy="0"/>
+        </a:xfrm>
+      </p:grpSpPr>
+      <p:sp>
+        <p:nvSpPr>
+          <p:cNvPr id="2" name="Title 1">
+            <a:extLst>
+              <a:ext uri="{FF2B5EF4-FFF2-40B4-BE49-F238E27FC236}">
+                <a16:creationId xmlns:a16="http://schemas.microsoft.com/office/drawing/2014/main" id="{276E1611-F570-41CC-BA09-019503456DC2}"/>
+              </a:ext>
+            </a:extLst>
+          </p:cNvPr>
+          <p:cNvSpPr>
+            <a:spLocks noGrp="1"/>
+          </p:cNvSpPr>
+          <p:nvPr>
+            <p:ph type="title"/>
+          </p:nvPr>
+        </p:nvSpPr>
+        <p:spPr>
+          <a:xfrm>
+            <a:off x="4828073" y="360784"/>
+            <a:ext cx="6751217" cy="685800"/>
+          </a:xfrm>
+        </p:spPr>
+        <p:txBody>
+          <a:bodyPr>
+            <a:normAutofit fontScale="90000"/>
+          </a:bodyPr>
+          <a:lstStyle/>
+          <a:p>
+            <a:r>
+              <a:rPr lang="en-US" dirty="0"/>
+              <a:t>Possible Improvements</a:t>
             </a:r>
           </a:p>
         </p:txBody>
@@ -3753,7 +4980,7 @@
           <p:cNvPr id="3" name="Content Placeholder 2">
             <a:extLst>
               <a:ext uri="{FF2B5EF4-FFF2-40B4-BE49-F238E27FC236}">
-                <a16:creationId xmlns:a16="http://schemas.microsoft.com/office/drawing/2014/main" id="{B6D8481F-2916-4869-BD75-BB195CB65A0E}"/>
+                <a16:creationId xmlns:a16="http://schemas.microsoft.com/office/drawing/2014/main" id="{09544AE8-FA6D-418C-A834-54DD97377140}"/>
               </a:ext>
             </a:extLst>
           </p:cNvPr>
@@ -3764,19 +4991,80 @@
             <p:ph idx="1"/>
           </p:nvPr>
         </p:nvSpPr>
-        <p:spPr/>
+        <p:spPr>
+          <a:xfrm>
+            <a:off x="711199" y="1407366"/>
+            <a:ext cx="10769600" cy="5180045"/>
+          </a:xfrm>
+        </p:spPr>
         <p:txBody>
           <a:bodyPr/>
           <a:lstStyle/>
           <a:p>
-            <a:endParaRPr lang="en-US"/>
+            <a:r>
+              <a:rPr lang="en-US" dirty="0"/>
+              <a:t>Add additional features</a:t>
+            </a:r>
+          </a:p>
+          <a:p>
+            <a:pPr lvl="1"/>
+            <a:r>
+              <a:rPr lang="en-US" dirty="0"/>
+              <a:t>Text of entire report</a:t>
+            </a:r>
+          </a:p>
+          <a:p>
+            <a:pPr lvl="1"/>
+            <a:r>
+              <a:rPr lang="en-US" dirty="0"/>
+              <a:t>Facility that submitted the report</a:t>
+            </a:r>
+          </a:p>
+          <a:p>
+            <a:pPr lvl="1"/>
+            <a:r>
+              <a:rPr lang="en-US" dirty="0"/>
+              <a:t>Regulation report submitted under</a:t>
+            </a:r>
+          </a:p>
+          <a:p>
+            <a:pPr lvl="1"/>
+            <a:r>
+              <a:rPr lang="en-US" dirty="0"/>
+              <a:t>Corpus specific synonyms</a:t>
+            </a:r>
+          </a:p>
+          <a:p>
+            <a:pPr lvl="2"/>
+            <a:r>
+              <a:rPr lang="en-US" dirty="0"/>
+              <a:t>Replace synonyms (hack)</a:t>
+            </a:r>
+          </a:p>
+          <a:p>
+            <a:pPr lvl="2"/>
+            <a:r>
+              <a:rPr lang="en-US" dirty="0"/>
+              <a:t>Use semantic similarity (</a:t>
+            </a:r>
+            <a:r>
+              <a:rPr lang="en-US" dirty="0" err="1"/>
+              <a:t>spaCy</a:t>
+            </a:r>
+            <a:r>
+              <a:rPr lang="en-US" dirty="0"/>
+              <a:t>)</a:t>
+            </a:r>
+          </a:p>
+          <a:p>
+            <a:endParaRPr lang="en-US" dirty="0"/>
           </a:p>
         </p:txBody>
       </p:sp>
     </p:spTree>
     <p:extLst>
       <p:ext uri="{BB962C8B-B14F-4D97-AF65-F5344CB8AC3E}">
-        <p14:creationId xmlns:p14="http://schemas.microsoft.com/office/powerpoint/2010/main" val="468532468"/>
+        <p14:creationId xmlns:p14="http://schemas.microsoft.com/office/powerpoint/2010/main" val="1723794338"/>
       </p:ext>
     </p:extLst>
   </p:cSld>
@@ -3787,9 +5075,9 @@
 </file>
 
 <file path=ppt/theme/theme1.xml><?xml version="1.0" encoding="utf-8"?>
-<a:theme xmlns:a="http://schemas.openxmlformats.org/drawingml/2006/main" name="Office Theme">
+<a:theme xmlns:a="http://schemas.openxmlformats.org/drawingml/2006/main" name="Headlines">
   <a:themeElements>
-    <a:clrScheme name="Office">
+    <a:clrScheme name="Headlines">
       <a:dk1>
         <a:sysClr val="windowText" lastClr="000000"/>
       </a:dk1>
@@ -3797,52 +5085,52 @@
         <a:sysClr val="window" lastClr="FFFFFF"/>
       </a:lt1>
       <a:dk2>
-        <a:srgbClr val="44546A"/>
+        <a:srgbClr val="1D1A1D"/>
       </a:dk2>
       <a:lt2>
-        <a:srgbClr val="E7E6E6"/>
+        <a:srgbClr val="F5F5F5"/>
       </a:lt2>
       <a:accent1>
-        <a:srgbClr val="4472C4"/>
+        <a:srgbClr val="439EB7"/>
       </a:accent1>
       <a:accent2>
-        <a:srgbClr val="ED7D31"/>
+        <a:srgbClr val="E28B55"/>
       </a:accent2>
       <a:accent3>
-        <a:srgbClr val="A5A5A5"/>
+        <a:srgbClr val="DCB64D"/>
       </a:accent3>
       <a:accent4>
-        <a:srgbClr val="FFC000"/>
+        <a:srgbClr val="4CA198"/>
       </a:accent4>
       <a:accent5>
-        <a:srgbClr val="5B9BD5"/>
+        <a:srgbClr val="835B82"/>
       </a:accent5>
       <a:accent6>
-        <a:srgbClr val="70AD47"/>
+        <a:srgbClr val="645135"/>
       </a:accent6>
       <a:hlink>
-        <a:srgbClr val="0563C1"/>
+        <a:srgbClr val="439EB7"/>
       </a:hlink>
       <a:folHlink>
-        <a:srgbClr val="954F72"/>
+        <a:srgbClr val="835B82"/>
       </a:folHlink>
     </a:clrScheme>
-    <a:fontScheme name="Office">
+    <a:fontScheme name="Headlines">
       <a:majorFont>
-        <a:latin typeface="Calibri Light" panose="020F0302020204030204"/>
+        <a:latin typeface="Century Schoolbook" panose="02040604050505020304"/>
         <a:ea typeface=""/>
         <a:cs typeface=""/>
-        <a:font script="Jpan" typeface="游ゴシック Light"/>
+        <a:font script="Jpan" typeface="メイリオ"/>
         <a:font script="Hang" typeface="맑은 고딕"/>
-        <a:font script="Hans" typeface="等线 Light"/>
+        <a:font script="Hans" typeface="宋体"/>
         <a:font script="Hant" typeface="新細明體"/>
-        <a:font script="Arab" typeface="Times New Roman"/>
-        <a:font script="Hebr" typeface="Times New Roman"/>
-        <a:font script="Thai" typeface="Angsana New"/>
+        <a:font script="Arab" typeface="Tahoma"/>
+        <a:font script="Hebr" typeface="Gisha"/>
+        <a:font script="Thai" typeface="DilleniaUPC"/>
         <a:font script="Ethi" typeface="Nyala"/>
         <a:font script="Beng" typeface="Vrinda"/>
         <a:font script="Gujr" typeface="Shruti"/>
-        <a:font script="Khmr" typeface="MoolBoran"/>
+        <a:font script="Khmr" typeface="DaunPenh"/>
         <a:font script="Knda" typeface="Tunga"/>
         <a:font script="Guru" typeface="Raavi"/>
         <a:font script="Cans" typeface="Euphemia"/>
@@ -3859,38 +5147,21 @@
         <a:font script="Laoo" typeface="DokChampa"/>
         <a:font script="Sinh" typeface="Iskoola Pota"/>
         <a:font script="Mong" typeface="Mongolian Baiti"/>
-        <a:font script="Viet" typeface="Times New Roman"/>
+        <a:font script="Viet" typeface="Tahoma"/>
         <a:font script="Uigh" typeface="Microsoft Uighur"/>
         <a:font script="Geor" typeface="Sylfaen"/>
-        <a:font script="Armn" typeface="Arial"/>
-        <a:font script="Bugi" typeface="Leelawadee UI"/>
-        <a:font script="Bopo" typeface="Microsoft JhengHei"/>
-        <a:font script="Java" typeface="Javanese Text"/>
-        <a:font script="Lisu" typeface="Segoe UI"/>
-        <a:font script="Mymr" typeface="Myanmar Text"/>
-        <a:font script="Nkoo" typeface="Ebrima"/>
-        <a:font script="Olck" typeface="Nirmala UI"/>
-        <a:font script="Osma" typeface="Ebrima"/>
-        <a:font script="Phag" typeface="Phagspa"/>
-        <a:font script="Syrn" typeface="Estrangelo Edessa"/>
-        <a:font script="Syrj" typeface="Estrangelo Edessa"/>
-        <a:font script="Syre" typeface="Estrangelo Edessa"/>
-        <a:font script="Sora" typeface="Nirmala UI"/>
-        <a:font script="Tale" typeface="Microsoft Tai Le"/>
-        <a:font script="Talu" typeface="Microsoft New Tai Lue"/>
-        <a:font script="Tfng" typeface="Ebrima"/>
       </a:majorFont>
       <a:minorFont>
-        <a:latin typeface="Calibri" panose="020F0502020204030204"/>
+        <a:latin typeface="Corbel" panose="020B0503020204020204"/>
         <a:ea typeface=""/>
         <a:cs typeface=""/>
-        <a:font script="Jpan" typeface="游ゴシック"/>
-        <a:font script="Hang" typeface="맑은 고딕"/>
-        <a:font script="Hans" typeface="等线"/>
+        <a:font script="Jpan" typeface="メイリオ"/>
+        <a:font script="Hang" typeface="HY엽서L"/>
+        <a:font script="Hans" typeface="华文楷体"/>
         <a:font script="Hant" typeface="新細明體"/>
-        <a:font script="Arab" typeface="Arial"/>
-        <a:font script="Hebr" typeface="Arial"/>
-        <a:font script="Thai" typeface="Cordia New"/>
+        <a:font script="Arab" typeface="Tahoma"/>
+        <a:font script="Hebr" typeface="Miriam"/>
+        <a:font script="Thai" typeface="DilleniaUPC"/>
         <a:font script="Ethi" typeface="Nyala"/>
         <a:font script="Beng" typeface="Vrinda"/>
         <a:font script="Gujr" typeface="Shruti"/>
@@ -3914,104 +5185,68 @@
         <a:font script="Viet" typeface="Arial"/>
         <a:font script="Uigh" typeface="Microsoft Uighur"/>
         <a:font script="Geor" typeface="Sylfaen"/>
-        <a:font script="Armn" typeface="Arial"/>
-        <a:font script="Bugi" typeface="Leelawadee UI"/>
-        <a:font script="Bopo" typeface="Microsoft JhengHei"/>
-        <a:font script="Java" typeface="Javanese Text"/>
-        <a:font script="Lisu" typeface="Segoe UI"/>
-        <a:font script="Mymr" typeface="Myanmar Text"/>
-        <a:font script="Nkoo" typeface="Ebrima"/>
-        <a:font script="Olck" typeface="Nirmala UI"/>
-        <a:font script="Osma" typeface="Ebrima"/>
-        <a:font script="Phag" typeface="Phagspa"/>
-        <a:font script="Syrn" typeface="Estrangelo Edessa"/>
-        <a:font script="Syrj" typeface="Estrangelo Edessa"/>
-        <a:font script="Syre" typeface="Estrangelo Edessa"/>
-        <a:font script="Sora" typeface="Nirmala UI"/>
-        <a:font script="Tale" typeface="Microsoft Tai Le"/>
-        <a:font script="Talu" typeface="Microsoft New Tai Lue"/>
-        <a:font script="Tfng" typeface="Ebrima"/>
       </a:minorFont>
     </a:fontScheme>
-    <a:fmtScheme name="Office">
+    <a:fmtScheme name="Headlines">
       <a:fillStyleLst>
         <a:solidFill>
           <a:schemeClr val="phClr"/>
+        </a:solidFill>
+        <a:solidFill>
+          <a:schemeClr val="phClr">
+            <a:tint val="67000"/>
+            <a:satMod val="105000"/>
+          </a:schemeClr>
         </a:solidFill>
         <a:gradFill rotWithShape="1">
           <a:gsLst>
             <a:gs pos="0">
               <a:schemeClr val="phClr">
-                <a:lumMod val="110000"/>
-                <a:satMod val="105000"/>
-                <a:tint val="67000"/>
+                <a:tint val="100000"/>
+                <a:satMod val="103000"/>
+                <a:lumMod val="102000"/>
               </a:schemeClr>
             </a:gs>
             <a:gs pos="50000">
               <a:schemeClr val="phClr">
-                <a:lumMod val="105000"/>
-                <a:satMod val="103000"/>
-                <a:tint val="73000"/>
+                <a:shade val="100000"/>
+                <a:satMod val="110000"/>
+                <a:lumMod val="100000"/>
               </a:schemeClr>
             </a:gs>
             <a:gs pos="100000">
               <a:schemeClr val="phClr">
-                <a:lumMod val="105000"/>
-                <a:satMod val="109000"/>
-                <a:tint val="81000"/>
+                <a:shade val="70000"/>
+                <a:satMod val="120000"/>
+                <a:lumMod val="99000"/>
               </a:schemeClr>
             </a:gs>
           </a:gsLst>
-          <a:lin ang="5400000" scaled="0"/>
-        </a:gradFill>
-        <a:gradFill rotWithShape="1">
-          <a:gsLst>
-            <a:gs pos="0">
-              <a:schemeClr val="phClr">
-                <a:satMod val="103000"/>
-                <a:lumMod val="102000"/>
-                <a:tint val="94000"/>
-              </a:schemeClr>
-            </a:gs>
-            <a:gs pos="50000">
-              <a:schemeClr val="phClr">
-                <a:satMod val="110000"/>
-                <a:lumMod val="100000"/>
-                <a:shade val="100000"/>
-              </a:schemeClr>
-            </a:gs>
-            <a:gs pos="100000">
-              <a:schemeClr val="phClr">
-                <a:lumMod val="99000"/>
-                <a:satMod val="120000"/>
-                <a:shade val="78000"/>
-              </a:schemeClr>
-            </a:gs>
-          </a:gsLst>
-          <a:lin ang="5400000" scaled="0"/>
+          <a:path path="circle">
+            <a:fillToRect l="100000" t="100000" r="100000" b="100000"/>
+          </a:path>
         </a:gradFill>
       </a:fillStyleLst>
       <a:lnStyleLst>
-        <a:ln w="6350" cap="flat" cmpd="sng" algn="ctr">
+        <a:ln w="6350" cap="flat" cmpd="sng" algn="in">
           <a:solidFill>
             <a:schemeClr val="phClr"/>
           </a:solidFill>
           <a:prstDash val="solid"/>
-          <a:miter lim="800000"/>
         </a:ln>
-        <a:ln w="12700" cap="flat" cmpd="sng" algn="ctr">
+        <a:ln w="12700" cap="flat" cmpd="sng" algn="in">
           <a:solidFill>
             <a:schemeClr val="phClr"/>
           </a:solidFill>
           <a:prstDash val="solid"/>
-          <a:miter lim="800000"/>
         </a:ln>
-        <a:ln w="19050" cap="flat" cmpd="sng" algn="ctr">
+        <a:ln w="19050" cap="flat" cmpd="sng" algn="in">
           <a:solidFill>
-            <a:schemeClr val="phClr"/>
+            <a:schemeClr val="phClr">
+              <a:satMod val="150000"/>
+            </a:schemeClr>
           </a:solidFill>
           <a:prstDash val="solid"/>
-          <a:miter lim="800000"/>
         </a:ln>
       </a:lnStyleLst>
       <a:effectStyleLst>
@@ -4023,9 +5258,14 @@
         </a:effectStyle>
         <a:effectStyle>
           <a:effectLst>
-            <a:outerShdw blurRad="57150" dist="19050" dir="5400000" algn="ctr" rotWithShape="0">
+            <a:innerShdw blurRad="88900" dist="25400" dir="10800000">
               <a:srgbClr val="000000">
-                <a:alpha val="63000"/>
+                <a:alpha val="25000"/>
+              </a:srgbClr>
+            </a:innerShdw>
+            <a:outerShdw blurRad="25400" dist="25400" dir="5400000" rotWithShape="0">
+              <a:srgbClr val="FFFFFF">
+                <a:alpha val="10000"/>
               </a:srgbClr>
             </a:outerShdw>
           </a:effectLst>
@@ -4046,16 +5286,16 @@
             <a:gs pos="0">
               <a:schemeClr val="phClr">
                 <a:tint val="93000"/>
+                <a:shade val="98000"/>
                 <a:satMod val="150000"/>
-                <a:shade val="98000"/>
                 <a:lumMod val="102000"/>
               </a:schemeClr>
             </a:gs>
             <a:gs pos="50000">
               <a:schemeClr val="phClr">
                 <a:tint val="98000"/>
+                <a:shade val="90000"/>
                 <a:satMod val="130000"/>
-                <a:shade val="90000"/>
                 <a:lumMod val="103000"/>
               </a:schemeClr>
             </a:gs>
@@ -4075,7 +5315,7 @@
   <a:extraClrSchemeLst/>
   <a:extLst>
     <a:ext uri="{05A4C25C-085E-4340-85A3-A5531E510DB2}">
-      <thm15:themeFamily xmlns:thm15="http://schemas.microsoft.com/office/thememl/2012/main" name="Office Theme" id="{62F939B6-93AF-4DB8-9C6B-D6C7DFDC589F}" vid="{4A3C46E8-61CC-4603-A589-7422A47A8E4A}"/>
+      <thm15:themeFamily xmlns:thm15="http://schemas.microsoft.com/office/thememl/2012/main" name="Headlines" id="{3841520A-25F2-4EB8-BE4C-611DB5ABEED9}" vid="{ECD25A4C-D97E-4C12-84B1-63580BFFAEEB}"/>
     </a:ext>
   </a:extLst>
 </a:theme>
